--- a/株式会社ユウシン_竹田悠希_個人開発成果発表.pptx
+++ b/株式会社ユウシン_竹田悠希_個人開発成果発表.pptx
@@ -9,9 +9,16 @@
     <p:sldId id="262" r:id="rId3"/>
     <p:sldId id="257" r:id="rId4"/>
     <p:sldId id="263" r:id="rId5"/>
-    <p:sldId id="264" r:id="rId6"/>
-    <p:sldId id="265" r:id="rId7"/>
-    <p:sldId id="266" r:id="rId8"/>
+    <p:sldId id="268" r:id="rId6"/>
+    <p:sldId id="264" r:id="rId7"/>
+    <p:sldId id="265" r:id="rId8"/>
+    <p:sldId id="269" r:id="rId9"/>
+    <p:sldId id="270" r:id="rId10"/>
+    <p:sldId id="271" r:id="rId11"/>
+    <p:sldId id="272" r:id="rId12"/>
+    <p:sldId id="274" r:id="rId13"/>
+    <p:sldId id="275" r:id="rId14"/>
+    <p:sldId id="266" r:id="rId15"/>
   </p:sldIdLst>
   <p:sldSz cx="12192000" cy="6858000"/>
   <p:notesSz cx="6858000" cy="9144000"/>
@@ -265,7 +272,7 @@
           <a:p>
             <a:fld id="{84C690E8-DEAB-46EE-9408-AA316A2A85FB}" type="datetimeFigureOut">
               <a:rPr kumimoji="1" lang="ja-JP" altLang="en-US" smtClean="0"/>
-              <a:t>2018/6/22</a:t>
+              <a:t>2018/6/24</a:t>
             </a:fld>
             <a:endParaRPr kumimoji="1" lang="ja-JP" altLang="en-US"/>
           </a:p>
@@ -495,7 +502,7 @@
           <a:p>
             <a:fld id="{84C690E8-DEAB-46EE-9408-AA316A2A85FB}" type="datetimeFigureOut">
               <a:rPr kumimoji="1" lang="ja-JP" altLang="en-US" smtClean="0"/>
-              <a:t>2018/6/22</a:t>
+              <a:t>2018/6/24</a:t>
             </a:fld>
             <a:endParaRPr kumimoji="1" lang="ja-JP" altLang="en-US"/>
           </a:p>
@@ -735,7 +742,7 @@
           <a:p>
             <a:fld id="{84C690E8-DEAB-46EE-9408-AA316A2A85FB}" type="datetimeFigureOut">
               <a:rPr kumimoji="1" lang="ja-JP" altLang="en-US" smtClean="0"/>
-              <a:t>2018/6/22</a:t>
+              <a:t>2018/6/24</a:t>
             </a:fld>
             <a:endParaRPr kumimoji="1" lang="ja-JP" altLang="en-US"/>
           </a:p>
@@ -965,7 +972,7 @@
           <a:p>
             <a:fld id="{84C690E8-DEAB-46EE-9408-AA316A2A85FB}" type="datetimeFigureOut">
               <a:rPr kumimoji="1" lang="ja-JP" altLang="en-US" smtClean="0"/>
-              <a:t>2018/6/22</a:t>
+              <a:t>2018/6/24</a:t>
             </a:fld>
             <a:endParaRPr kumimoji="1" lang="ja-JP" altLang="en-US"/>
           </a:p>
@@ -1240,7 +1247,7 @@
           <a:p>
             <a:fld id="{84C690E8-DEAB-46EE-9408-AA316A2A85FB}" type="datetimeFigureOut">
               <a:rPr kumimoji="1" lang="ja-JP" altLang="en-US" smtClean="0"/>
-              <a:t>2018/6/22</a:t>
+              <a:t>2018/6/24</a:t>
             </a:fld>
             <a:endParaRPr kumimoji="1" lang="ja-JP" altLang="en-US"/>
           </a:p>
@@ -1569,7 +1576,7 @@
           <a:p>
             <a:fld id="{84C690E8-DEAB-46EE-9408-AA316A2A85FB}" type="datetimeFigureOut">
               <a:rPr kumimoji="1" lang="ja-JP" altLang="en-US" smtClean="0"/>
-              <a:t>2018/6/22</a:t>
+              <a:t>2018/6/24</a:t>
             </a:fld>
             <a:endParaRPr kumimoji="1" lang="ja-JP" altLang="en-US"/>
           </a:p>
@@ -2045,7 +2052,7 @@
           <a:p>
             <a:fld id="{84C690E8-DEAB-46EE-9408-AA316A2A85FB}" type="datetimeFigureOut">
               <a:rPr kumimoji="1" lang="ja-JP" altLang="en-US" smtClean="0"/>
-              <a:t>2018/6/22</a:t>
+              <a:t>2018/6/24</a:t>
             </a:fld>
             <a:endParaRPr kumimoji="1" lang="ja-JP" altLang="en-US"/>
           </a:p>
@@ -2186,7 +2193,7 @@
           <a:p>
             <a:fld id="{84C690E8-DEAB-46EE-9408-AA316A2A85FB}" type="datetimeFigureOut">
               <a:rPr kumimoji="1" lang="ja-JP" altLang="en-US" smtClean="0"/>
-              <a:t>2018/6/22</a:t>
+              <a:t>2018/6/24</a:t>
             </a:fld>
             <a:endParaRPr kumimoji="1" lang="ja-JP" altLang="en-US"/>
           </a:p>
@@ -2299,7 +2306,7 @@
           <a:p>
             <a:fld id="{84C690E8-DEAB-46EE-9408-AA316A2A85FB}" type="datetimeFigureOut">
               <a:rPr kumimoji="1" lang="ja-JP" altLang="en-US" smtClean="0"/>
-              <a:t>2018/6/22</a:t>
+              <a:t>2018/6/24</a:t>
             </a:fld>
             <a:endParaRPr kumimoji="1" lang="ja-JP" altLang="en-US"/>
           </a:p>
@@ -2642,7 +2649,7 @@
           <a:p>
             <a:fld id="{84C690E8-DEAB-46EE-9408-AA316A2A85FB}" type="datetimeFigureOut">
               <a:rPr kumimoji="1" lang="ja-JP" altLang="en-US" smtClean="0"/>
-              <a:t>2018/6/22</a:t>
+              <a:t>2018/6/24</a:t>
             </a:fld>
             <a:endParaRPr kumimoji="1" lang="ja-JP" altLang="en-US"/>
           </a:p>
@@ -2930,7 +2937,7 @@
           <a:p>
             <a:fld id="{84C690E8-DEAB-46EE-9408-AA316A2A85FB}" type="datetimeFigureOut">
               <a:rPr kumimoji="1" lang="ja-JP" altLang="en-US" smtClean="0"/>
-              <a:t>2018/6/22</a:t>
+              <a:t>2018/6/24</a:t>
             </a:fld>
             <a:endParaRPr kumimoji="1" lang="ja-JP" altLang="en-US"/>
           </a:p>
@@ -3203,7 +3210,7 @@
           <a:p>
             <a:fld id="{84C690E8-DEAB-46EE-9408-AA316A2A85FB}" type="datetimeFigureOut">
               <a:rPr kumimoji="1" lang="ja-JP" altLang="en-US" smtClean="0"/>
-              <a:t>2018/6/22</a:t>
+              <a:t>2018/6/24</a:t>
             </a:fld>
             <a:endParaRPr kumimoji="1" lang="ja-JP" altLang="en-US"/>
           </a:p>
@@ -3647,6 +3654,22 @@
               <a:rPr kumimoji="1" lang="ja-JP" altLang="en-US" sz="9600" b="1" dirty="0"/>
               <a:t>個人開発成果発表</a:t>
             </a:r>
+            <a:br>
+              <a:rPr kumimoji="1" lang="en-US" altLang="ja-JP" sz="9600" b="1" dirty="0"/>
+            </a:br>
+            <a:r>
+              <a:rPr kumimoji="1" lang="ja-JP" altLang="en-US" sz="8000" b="1" dirty="0"/>
+              <a:t>～</a:t>
+            </a:r>
+            <a:r>
+              <a:rPr kumimoji="1" lang="en-US" altLang="ja-JP" sz="8000" b="1" dirty="0"/>
+              <a:t>Web</a:t>
+            </a:r>
+            <a:r>
+              <a:rPr kumimoji="1" lang="ja-JP" altLang="en-US" sz="8000" b="1" dirty="0"/>
+              <a:t>ゲーム～</a:t>
+            </a:r>
+            <a:endParaRPr kumimoji="1" lang="ja-JP" altLang="en-US" sz="9600" b="1" dirty="0"/>
           </a:p>
         </p:txBody>
       </p:sp>
@@ -3684,6 +3707,488 @@
     <p:extLst>
       <p:ext uri="{BB962C8B-B14F-4D97-AF65-F5344CB8AC3E}">
         <p14:creationId xmlns:p14="http://schemas.microsoft.com/office/powerpoint/2010/main" val="2632399685"/>
+      </p:ext>
+    </p:extLst>
+  </p:cSld>
+  <p:clrMapOvr>
+    <a:masterClrMapping/>
+  </p:clrMapOvr>
+</p:sld>
+</file>
+
+<file path=ppt/slides/slide10.xml><?xml version="1.0" encoding="utf-8"?>
+<p:sld xmlns:a="http://schemas.openxmlformats.org/drawingml/2006/main" xmlns:r="http://schemas.openxmlformats.org/officeDocument/2006/relationships" xmlns:p="http://schemas.openxmlformats.org/presentationml/2006/main">
+  <p:cSld>
+    <p:spTree>
+      <p:nvGrpSpPr>
+        <p:cNvPr id="1" name=""/>
+        <p:cNvGrpSpPr/>
+        <p:nvPr/>
+      </p:nvGrpSpPr>
+      <p:grpSpPr>
+        <a:xfrm>
+          <a:off x="0" y="0"/>
+          <a:ext cx="0" cy="0"/>
+          <a:chOff x="0" y="0"/>
+          <a:chExt cx="0" cy="0"/>
+        </a:xfrm>
+      </p:grpSpPr>
+      <p:pic>
+        <p:nvPicPr>
+          <p:cNvPr id="6" name="図 5">
+            <a:extLst>
+              <a:ext uri="{FF2B5EF4-FFF2-40B4-BE49-F238E27FC236}">
+                <a16:creationId xmlns:a16="http://schemas.microsoft.com/office/drawing/2014/main" id="{EB4F5FE7-8289-4285-AFC6-2DA99905A8DD}"/>
+              </a:ext>
+            </a:extLst>
+          </p:cNvPr>
+          <p:cNvPicPr>
+            <a:picLocks noChangeAspect="1"/>
+          </p:cNvPicPr>
+          <p:nvPr/>
+        </p:nvPicPr>
+        <p:blipFill rotWithShape="1">
+          <a:blip r:embed="rId2"/>
+          <a:srcRect r="65976" b="61600"/>
+          <a:stretch/>
+        </p:blipFill>
+        <p:spPr>
+          <a:xfrm>
+            <a:off x="1993139" y="1825625"/>
+            <a:ext cx="8205722" cy="4989897"/>
+          </a:xfrm>
+          <a:prstGeom prst="rect">
+            <a:avLst/>
+          </a:prstGeom>
+          <a:ln>
+            <a:solidFill>
+              <a:schemeClr val="tx1"/>
+            </a:solidFill>
+          </a:ln>
+        </p:spPr>
+      </p:pic>
+      <p:sp>
+        <p:nvSpPr>
+          <p:cNvPr id="2" name="タイトル 1">
+            <a:extLst>
+              <a:ext uri="{FF2B5EF4-FFF2-40B4-BE49-F238E27FC236}">
+                <a16:creationId xmlns:a16="http://schemas.microsoft.com/office/drawing/2014/main" id="{1D1D3645-48BA-41AD-8B0B-67C37EE6D8C4}"/>
+              </a:ext>
+            </a:extLst>
+          </p:cNvPr>
+          <p:cNvSpPr>
+            <a:spLocks noGrp="1"/>
+          </p:cNvSpPr>
+          <p:nvPr>
+            <p:ph type="title"/>
+          </p:nvPr>
+        </p:nvSpPr>
+        <p:spPr/>
+        <p:txBody>
+          <a:bodyPr anchor="b" anchorCtr="0">
+            <a:normAutofit/>
+          </a:bodyPr>
+          <a:lstStyle/>
+          <a:p>
+            <a:r>
+              <a:rPr lang="ja-JP" altLang="en-US" sz="6600" b="1" dirty="0"/>
+              <a:t>ユーザ削除</a:t>
+            </a:r>
+            <a:r>
+              <a:rPr kumimoji="1" lang="ja-JP" altLang="en-US" sz="6600" b="1" dirty="0"/>
+              <a:t>画面</a:t>
+            </a:r>
+          </a:p>
+        </p:txBody>
+      </p:sp>
+    </p:spTree>
+    <p:extLst>
+      <p:ext uri="{BB962C8B-B14F-4D97-AF65-F5344CB8AC3E}">
+        <p14:creationId xmlns:p14="http://schemas.microsoft.com/office/powerpoint/2010/main" val="1161637920"/>
+      </p:ext>
+    </p:extLst>
+  </p:cSld>
+  <p:clrMapOvr>
+    <a:masterClrMapping/>
+  </p:clrMapOvr>
+</p:sld>
+</file>
+
+<file path=ppt/slides/slide11.xml><?xml version="1.0" encoding="utf-8"?>
+<p:sld xmlns:a="http://schemas.openxmlformats.org/drawingml/2006/main" xmlns:r="http://schemas.openxmlformats.org/officeDocument/2006/relationships" xmlns:p="http://schemas.openxmlformats.org/presentationml/2006/main">
+  <p:cSld>
+    <p:spTree>
+      <p:nvGrpSpPr>
+        <p:cNvPr id="1" name=""/>
+        <p:cNvGrpSpPr/>
+        <p:nvPr/>
+      </p:nvGrpSpPr>
+      <p:grpSpPr>
+        <a:xfrm>
+          <a:off x="0" y="0"/>
+          <a:ext cx="0" cy="0"/>
+          <a:chOff x="0" y="0"/>
+          <a:chExt cx="0" cy="0"/>
+        </a:xfrm>
+      </p:grpSpPr>
+      <p:sp>
+        <p:nvSpPr>
+          <p:cNvPr id="2" name="タイトル 1">
+            <a:extLst>
+              <a:ext uri="{FF2B5EF4-FFF2-40B4-BE49-F238E27FC236}">
+                <a16:creationId xmlns:a16="http://schemas.microsoft.com/office/drawing/2014/main" id="{1D1D3645-48BA-41AD-8B0B-67C37EE6D8C4}"/>
+              </a:ext>
+            </a:extLst>
+          </p:cNvPr>
+          <p:cNvSpPr>
+            <a:spLocks noGrp="1"/>
+          </p:cNvSpPr>
+          <p:nvPr>
+            <p:ph type="title"/>
+          </p:nvPr>
+        </p:nvSpPr>
+        <p:spPr/>
+        <p:txBody>
+          <a:bodyPr anchor="b" anchorCtr="0">
+            <a:normAutofit/>
+          </a:bodyPr>
+          <a:lstStyle/>
+          <a:p>
+            <a:r>
+              <a:rPr lang="ja-JP" altLang="en-US" sz="6600" b="1" dirty="0"/>
+              <a:t>ユーザ削除完了</a:t>
+            </a:r>
+            <a:r>
+              <a:rPr kumimoji="1" lang="ja-JP" altLang="en-US" sz="6600" b="1" dirty="0"/>
+              <a:t>画面</a:t>
+            </a:r>
+          </a:p>
+        </p:txBody>
+      </p:sp>
+      <p:pic>
+        <p:nvPicPr>
+          <p:cNvPr id="4" name="図 3">
+            <a:extLst>
+              <a:ext uri="{FF2B5EF4-FFF2-40B4-BE49-F238E27FC236}">
+                <a16:creationId xmlns:a16="http://schemas.microsoft.com/office/drawing/2014/main" id="{2863CCA1-E14A-4CD8-9B90-A4739977D0C7}"/>
+              </a:ext>
+            </a:extLst>
+          </p:cNvPr>
+          <p:cNvPicPr>
+            <a:picLocks noChangeAspect="1"/>
+          </p:cNvPicPr>
+          <p:nvPr/>
+        </p:nvPicPr>
+        <p:blipFill rotWithShape="1">
+          <a:blip r:embed="rId2"/>
+          <a:srcRect r="83459" b="70355"/>
+          <a:stretch/>
+        </p:blipFill>
+        <p:spPr>
+          <a:xfrm>
+            <a:off x="3512237" y="1825624"/>
+            <a:ext cx="5167526" cy="4989897"/>
+          </a:xfrm>
+          <a:prstGeom prst="rect">
+            <a:avLst/>
+          </a:prstGeom>
+          <a:ln>
+            <a:solidFill>
+              <a:schemeClr val="tx1"/>
+            </a:solidFill>
+          </a:ln>
+        </p:spPr>
+      </p:pic>
+    </p:spTree>
+    <p:extLst>
+      <p:ext uri="{BB962C8B-B14F-4D97-AF65-F5344CB8AC3E}">
+        <p14:creationId xmlns:p14="http://schemas.microsoft.com/office/powerpoint/2010/main" val="1625260884"/>
+      </p:ext>
+    </p:extLst>
+  </p:cSld>
+  <p:clrMapOvr>
+    <a:masterClrMapping/>
+  </p:clrMapOvr>
+</p:sld>
+</file>
+
+<file path=ppt/slides/slide12.xml><?xml version="1.0" encoding="utf-8"?>
+<p:sld xmlns:a="http://schemas.openxmlformats.org/drawingml/2006/main" xmlns:r="http://schemas.openxmlformats.org/officeDocument/2006/relationships" xmlns:p="http://schemas.openxmlformats.org/presentationml/2006/main">
+  <p:cSld>
+    <p:spTree>
+      <p:nvGrpSpPr>
+        <p:cNvPr id="1" name=""/>
+        <p:cNvGrpSpPr/>
+        <p:nvPr/>
+      </p:nvGrpSpPr>
+      <p:grpSpPr>
+        <a:xfrm>
+          <a:off x="0" y="0"/>
+          <a:ext cx="0" cy="0"/>
+          <a:chOff x="0" y="0"/>
+          <a:chExt cx="0" cy="0"/>
+        </a:xfrm>
+      </p:grpSpPr>
+      <p:sp>
+        <p:nvSpPr>
+          <p:cNvPr id="2" name="タイトル 1">
+            <a:extLst>
+              <a:ext uri="{FF2B5EF4-FFF2-40B4-BE49-F238E27FC236}">
+                <a16:creationId xmlns:a16="http://schemas.microsoft.com/office/drawing/2014/main" id="{1D1D3645-48BA-41AD-8B0B-67C37EE6D8C4}"/>
+              </a:ext>
+            </a:extLst>
+          </p:cNvPr>
+          <p:cNvSpPr>
+            <a:spLocks noGrp="1"/>
+          </p:cNvSpPr>
+          <p:nvPr>
+            <p:ph type="title"/>
+          </p:nvPr>
+        </p:nvSpPr>
+        <p:spPr/>
+        <p:txBody>
+          <a:bodyPr anchor="b" anchorCtr="0">
+            <a:normAutofit/>
+          </a:bodyPr>
+          <a:lstStyle/>
+          <a:p>
+            <a:r>
+              <a:rPr kumimoji="1" lang="ja-JP" altLang="en-US" sz="6600" b="1" dirty="0"/>
+              <a:t>ゲーム画面</a:t>
+            </a:r>
+          </a:p>
+        </p:txBody>
+      </p:sp>
+      <p:pic>
+        <p:nvPicPr>
+          <p:cNvPr id="3" name="図 2">
+            <a:extLst>
+              <a:ext uri="{FF2B5EF4-FFF2-40B4-BE49-F238E27FC236}">
+                <a16:creationId xmlns:a16="http://schemas.microsoft.com/office/drawing/2014/main" id="{BF46AD8A-7B80-48A0-ABBB-61A10033D1E1}"/>
+              </a:ext>
+            </a:extLst>
+          </p:cNvPr>
+          <p:cNvPicPr>
+            <a:picLocks noChangeAspect="1"/>
+          </p:cNvPicPr>
+          <p:nvPr/>
+        </p:nvPicPr>
+        <p:blipFill rotWithShape="1">
+          <a:blip r:embed="rId2"/>
+          <a:srcRect t="76" b="26209"/>
+          <a:stretch/>
+        </p:blipFill>
+        <p:spPr>
+          <a:xfrm>
+            <a:off x="44088" y="1825624"/>
+            <a:ext cx="12103823" cy="5018885"/>
+          </a:xfrm>
+          <a:prstGeom prst="rect">
+            <a:avLst/>
+          </a:prstGeom>
+          <a:ln>
+            <a:solidFill>
+              <a:schemeClr val="tx1"/>
+            </a:solidFill>
+          </a:ln>
+        </p:spPr>
+      </p:pic>
+    </p:spTree>
+    <p:extLst>
+      <p:ext uri="{BB962C8B-B14F-4D97-AF65-F5344CB8AC3E}">
+        <p14:creationId xmlns:p14="http://schemas.microsoft.com/office/powerpoint/2010/main" val="1801522046"/>
+      </p:ext>
+    </p:extLst>
+  </p:cSld>
+  <p:clrMapOvr>
+    <a:masterClrMapping/>
+  </p:clrMapOvr>
+</p:sld>
+</file>
+
+<file path=ppt/slides/slide13.xml><?xml version="1.0" encoding="utf-8"?>
+<p:sld xmlns:a="http://schemas.openxmlformats.org/drawingml/2006/main" xmlns:r="http://schemas.openxmlformats.org/officeDocument/2006/relationships" xmlns:p="http://schemas.openxmlformats.org/presentationml/2006/main">
+  <p:cSld>
+    <p:spTree>
+      <p:nvGrpSpPr>
+        <p:cNvPr id="1" name=""/>
+        <p:cNvGrpSpPr/>
+        <p:nvPr/>
+      </p:nvGrpSpPr>
+      <p:grpSpPr>
+        <a:xfrm>
+          <a:off x="0" y="0"/>
+          <a:ext cx="0" cy="0"/>
+          <a:chOff x="0" y="0"/>
+          <a:chExt cx="0" cy="0"/>
+        </a:xfrm>
+      </p:grpSpPr>
+      <p:sp>
+        <p:nvSpPr>
+          <p:cNvPr id="2" name="タイトル 1">
+            <a:extLst>
+              <a:ext uri="{FF2B5EF4-FFF2-40B4-BE49-F238E27FC236}">
+                <a16:creationId xmlns:a16="http://schemas.microsoft.com/office/drawing/2014/main" id="{1D1D3645-48BA-41AD-8B0B-67C37EE6D8C4}"/>
+              </a:ext>
+            </a:extLst>
+          </p:cNvPr>
+          <p:cNvSpPr>
+            <a:spLocks noGrp="1"/>
+          </p:cNvSpPr>
+          <p:nvPr>
+            <p:ph type="title"/>
+          </p:nvPr>
+        </p:nvSpPr>
+        <p:spPr/>
+        <p:txBody>
+          <a:bodyPr anchor="b" anchorCtr="0">
+            <a:normAutofit/>
+          </a:bodyPr>
+          <a:lstStyle/>
+          <a:p>
+            <a:r>
+              <a:rPr kumimoji="1" lang="ja-JP" altLang="en-US" sz="6600" b="1" dirty="0"/>
+              <a:t>ゲーム結果画面</a:t>
+            </a:r>
+          </a:p>
+        </p:txBody>
+      </p:sp>
+      <p:pic>
+        <p:nvPicPr>
+          <p:cNvPr id="6" name="図 5">
+            <a:extLst>
+              <a:ext uri="{FF2B5EF4-FFF2-40B4-BE49-F238E27FC236}">
+                <a16:creationId xmlns:a16="http://schemas.microsoft.com/office/drawing/2014/main" id="{35A8893D-9469-4143-8D31-2208FBFC65C6}"/>
+              </a:ext>
+            </a:extLst>
+          </p:cNvPr>
+          <p:cNvPicPr>
+            <a:picLocks noChangeAspect="1"/>
+          </p:cNvPicPr>
+          <p:nvPr/>
+        </p:nvPicPr>
+        <p:blipFill rotWithShape="1">
+          <a:blip r:embed="rId2"/>
+          <a:srcRect r="80112" b="70417"/>
+          <a:stretch/>
+        </p:blipFill>
+        <p:spPr>
+          <a:xfrm>
+            <a:off x="3114140" y="1825622"/>
+            <a:ext cx="5963710" cy="4989896"/>
+          </a:xfrm>
+          <a:prstGeom prst="rect">
+            <a:avLst/>
+          </a:prstGeom>
+          <a:ln>
+            <a:solidFill>
+              <a:schemeClr val="tx1"/>
+            </a:solidFill>
+          </a:ln>
+        </p:spPr>
+      </p:pic>
+    </p:spTree>
+    <p:extLst>
+      <p:ext uri="{BB962C8B-B14F-4D97-AF65-F5344CB8AC3E}">
+        <p14:creationId xmlns:p14="http://schemas.microsoft.com/office/powerpoint/2010/main" val="2799898950"/>
+      </p:ext>
+    </p:extLst>
+  </p:cSld>
+  <p:clrMapOvr>
+    <a:masterClrMapping/>
+  </p:clrMapOvr>
+</p:sld>
+</file>
+
+<file path=ppt/slides/slide14.xml><?xml version="1.0" encoding="utf-8"?>
+<p:sld xmlns:a="http://schemas.openxmlformats.org/drawingml/2006/main" xmlns:r="http://schemas.openxmlformats.org/officeDocument/2006/relationships" xmlns:p="http://schemas.openxmlformats.org/presentationml/2006/main">
+  <p:cSld>
+    <p:spTree>
+      <p:nvGrpSpPr>
+        <p:cNvPr id="1" name=""/>
+        <p:cNvGrpSpPr/>
+        <p:nvPr/>
+      </p:nvGrpSpPr>
+      <p:grpSpPr>
+        <a:xfrm>
+          <a:off x="0" y="0"/>
+          <a:ext cx="0" cy="0"/>
+          <a:chOff x="0" y="0"/>
+          <a:chExt cx="0" cy="0"/>
+        </a:xfrm>
+      </p:grpSpPr>
+      <p:sp>
+        <p:nvSpPr>
+          <p:cNvPr id="2" name="タイトル 1">
+            <a:extLst>
+              <a:ext uri="{FF2B5EF4-FFF2-40B4-BE49-F238E27FC236}">
+                <a16:creationId xmlns:a16="http://schemas.microsoft.com/office/drawing/2014/main" id="{1D1D3645-48BA-41AD-8B0B-67C37EE6D8C4}"/>
+              </a:ext>
+            </a:extLst>
+          </p:cNvPr>
+          <p:cNvSpPr>
+            <a:spLocks noGrp="1"/>
+          </p:cNvSpPr>
+          <p:nvPr>
+            <p:ph type="title"/>
+          </p:nvPr>
+        </p:nvSpPr>
+        <p:spPr/>
+        <p:txBody>
+          <a:bodyPr anchor="b" anchorCtr="0">
+            <a:normAutofit/>
+          </a:bodyPr>
+          <a:lstStyle/>
+          <a:p>
+            <a:r>
+              <a:rPr lang="ja-JP" altLang="en-US" sz="6600" b="1" dirty="0"/>
+              <a:t>クリアタイム閲覧</a:t>
+            </a:r>
+            <a:r>
+              <a:rPr kumimoji="1" lang="ja-JP" altLang="en-US" sz="6600" b="1" dirty="0"/>
+              <a:t>画面</a:t>
+            </a:r>
+          </a:p>
+        </p:txBody>
+      </p:sp>
+      <p:pic>
+        <p:nvPicPr>
+          <p:cNvPr id="17" name="図 16">
+            <a:extLst>
+              <a:ext uri="{FF2B5EF4-FFF2-40B4-BE49-F238E27FC236}">
+                <a16:creationId xmlns:a16="http://schemas.microsoft.com/office/drawing/2014/main" id="{AAFB0857-BA58-4312-AE67-544B5301A7E4}"/>
+              </a:ext>
+            </a:extLst>
+          </p:cNvPr>
+          <p:cNvPicPr>
+            <a:picLocks noChangeAspect="1"/>
+          </p:cNvPicPr>
+          <p:nvPr/>
+        </p:nvPicPr>
+        <p:blipFill rotWithShape="1">
+          <a:blip r:embed="rId2"/>
+          <a:srcRect r="77187" b="56960"/>
+          <a:stretch/>
+        </p:blipFill>
+        <p:spPr>
+          <a:xfrm>
+            <a:off x="3641657" y="1825622"/>
+            <a:ext cx="4908675" cy="4989896"/>
+          </a:xfrm>
+          <a:prstGeom prst="rect">
+            <a:avLst/>
+          </a:prstGeom>
+          <a:ln>
+            <a:solidFill>
+              <a:schemeClr val="tx1"/>
+            </a:solidFill>
+          </a:ln>
+        </p:spPr>
+      </p:pic>
+    </p:spTree>
+    <p:extLst>
+      <p:ext uri="{BB962C8B-B14F-4D97-AF65-F5344CB8AC3E}">
+        <p14:creationId xmlns:p14="http://schemas.microsoft.com/office/powerpoint/2010/main" val="1906491368"/>
       </p:ext>
     </p:extLst>
   </p:cSld>
@@ -3756,12 +4261,83 @@
             <p:ph idx="1"/>
           </p:nvPr>
         </p:nvSpPr>
-        <p:spPr/>
-        <p:txBody>
-          <a:bodyPr/>
-          <a:lstStyle/>
-          <a:p>
-            <a:endParaRPr lang="ja-JP" altLang="en-US" dirty="0"/>
+        <p:spPr>
+          <a:xfrm>
+            <a:off x="838200" y="1825625"/>
+            <a:ext cx="10515600" cy="4351338"/>
+          </a:xfrm>
+        </p:spPr>
+        <p:txBody>
+          <a:bodyPr>
+            <a:normAutofit/>
+          </a:bodyPr>
+          <a:lstStyle/>
+          <a:p>
+            <a:pPr marL="0" indent="0">
+              <a:buNone/>
+            </a:pPr>
+            <a:r>
+              <a:rPr lang="ja-JP" altLang="en-US" sz="3000" dirty="0"/>
+              <a:t>　</a:t>
+            </a:r>
+            <a:r>
+              <a:rPr lang="ja-JP" altLang="en-US" sz="4400" dirty="0"/>
+              <a:t>空いた時間に暇つぶしをしたい！</a:t>
+            </a:r>
+            <a:endParaRPr lang="en-US" altLang="ja-JP" sz="3000" dirty="0"/>
+          </a:p>
+          <a:p>
+            <a:pPr marL="0" indent="0">
+              <a:buNone/>
+            </a:pPr>
+            <a:r>
+              <a:rPr lang="ja-JP" altLang="en-US" sz="3000" dirty="0"/>
+              <a:t>　→しかし、アプリやソフトを入れると容量を取られる</a:t>
+            </a:r>
+            <a:r>
+              <a:rPr lang="en-US" altLang="ja-JP" sz="3000" dirty="0"/>
+              <a:t>…</a:t>
+            </a:r>
+          </a:p>
+          <a:p>
+            <a:pPr marL="0" indent="0">
+              <a:buNone/>
+            </a:pPr>
+            <a:r>
+              <a:rPr lang="ja-JP" altLang="en-US" sz="3000" dirty="0"/>
+              <a:t>　　→</a:t>
+            </a:r>
+            <a:r>
+              <a:rPr lang="en-US" altLang="ja-JP" sz="3000" dirty="0"/>
+              <a:t>Web</a:t>
+            </a:r>
+            <a:r>
+              <a:rPr lang="ja-JP" altLang="en-US" sz="3000" dirty="0"/>
+              <a:t>で動作するゲームなら容量は取られない！</a:t>
+            </a:r>
+            <a:endParaRPr lang="en-US" altLang="ja-JP" sz="3000" dirty="0"/>
+          </a:p>
+          <a:p>
+            <a:pPr marL="0" indent="0">
+              <a:buNone/>
+            </a:pPr>
+            <a:r>
+              <a:rPr lang="ja-JP" altLang="en-US" sz="3000" dirty="0"/>
+              <a:t>　　→ついでに金銭的にも優しい！</a:t>
+            </a:r>
+            <a:r>
+              <a:rPr lang="en-US" altLang="ja-JP" sz="3000" dirty="0"/>
+              <a:t>(</a:t>
+            </a:r>
+            <a:r>
+              <a:rPr lang="ja-JP" altLang="en-US" sz="3000" dirty="0"/>
+              <a:t>通信料金を除く</a:t>
+            </a:r>
+            <a:r>
+              <a:rPr lang="en-US" altLang="ja-JP" sz="3000" dirty="0"/>
+              <a:t>)</a:t>
+            </a:r>
+            <a:endParaRPr lang="ja-JP" altLang="en-US" sz="3000" dirty="0"/>
           </a:p>
         </p:txBody>
       </p:sp>
@@ -3915,8 +4491,12 @@
           <a:lstStyle/>
           <a:p>
             <a:r>
+              <a:rPr lang="ja-JP" altLang="en-US" sz="6600" b="1" dirty="0"/>
+              <a:t>ログイン</a:t>
+            </a:r>
+            <a:r>
               <a:rPr kumimoji="1" lang="ja-JP" altLang="en-US" sz="6600" b="1" dirty="0"/>
-              <a:t>ログイン画面</a:t>
+              <a:t>画面</a:t>
             </a:r>
           </a:p>
         </p:txBody>
@@ -3959,10 +4539,10 @@
       </p:pic>
       <p:pic>
         <p:nvPicPr>
-          <p:cNvPr id="9" name="図 8">
-            <a:extLst>
-              <a:ext uri="{FF2B5EF4-FFF2-40B4-BE49-F238E27FC236}">
-                <a16:creationId xmlns:a16="http://schemas.microsoft.com/office/drawing/2014/main" id="{A94D4502-8BB6-4B92-BD44-A8963CE525E0}"/>
+          <p:cNvPr id="10" name="図 9">
+            <a:extLst>
+              <a:ext uri="{FF2B5EF4-FFF2-40B4-BE49-F238E27FC236}">
+                <a16:creationId xmlns:a16="http://schemas.microsoft.com/office/drawing/2014/main" id="{D5B61982-8B02-4AB3-BD09-BFE3B5013660}"/>
               </a:ext>
             </a:extLst>
           </p:cNvPr>
@@ -3973,40 +4553,6 @@
         </p:nvPicPr>
         <p:blipFill rotWithShape="1">
           <a:blip r:embed="rId3"/>
-          <a:srcRect l="-1" t="2" r="74692" b="55243"/>
-          <a:stretch/>
-        </p:blipFill>
-        <p:spPr>
-          <a:xfrm>
-            <a:off x="3477824" y="1825625"/>
-            <a:ext cx="5237041" cy="4989898"/>
-          </a:xfrm>
-          <a:prstGeom prst="rect">
-            <a:avLst/>
-          </a:prstGeom>
-          <a:ln>
-            <a:solidFill>
-              <a:schemeClr val="tx1"/>
-            </a:solidFill>
-          </a:ln>
-        </p:spPr>
-      </p:pic>
-      <p:pic>
-        <p:nvPicPr>
-          <p:cNvPr id="10" name="図 9">
-            <a:extLst>
-              <a:ext uri="{FF2B5EF4-FFF2-40B4-BE49-F238E27FC236}">
-                <a16:creationId xmlns:a16="http://schemas.microsoft.com/office/drawing/2014/main" id="{D5B61982-8B02-4AB3-BD09-BFE3B5013660}"/>
-              </a:ext>
-            </a:extLst>
-          </p:cNvPr>
-          <p:cNvPicPr>
-            <a:picLocks noChangeAspect="1"/>
-          </p:cNvPicPr>
-          <p:nvPr/>
-        </p:nvPicPr>
-        <p:blipFill rotWithShape="1">
-          <a:blip r:embed="rId4"/>
           <a:srcRect r="75102" b="55961"/>
           <a:stretch/>
         </p:blipFill>
@@ -4029,267 +4575,6 @@
     <p:extLst>
       <p:ext uri="{BB962C8B-B14F-4D97-AF65-F5344CB8AC3E}">
         <p14:creationId xmlns:p14="http://schemas.microsoft.com/office/powerpoint/2010/main" val="3229138098"/>
-      </p:ext>
-    </p:extLst>
-  </p:cSld>
-  <p:clrMapOvr>
-    <a:masterClrMapping/>
-  </p:clrMapOvr>
-  <p:timing>
-    <p:tnLst>
-      <p:par>
-        <p:cTn id="1" dur="indefinite" restart="never" nodeType="tmRoot">
-          <p:childTnLst>
-            <p:seq concurrent="1" nextAc="seek">
-              <p:cTn id="2" dur="indefinite" nodeType="mainSeq">
-                <p:childTnLst>
-                  <p:par>
-                    <p:cTn id="3" fill="hold">
-                      <p:stCondLst>
-                        <p:cond delay="indefinite"/>
-                      </p:stCondLst>
-                      <p:childTnLst>
-                        <p:par>
-                          <p:cTn id="4" fill="hold">
-                            <p:stCondLst>
-                              <p:cond delay="0"/>
-                            </p:stCondLst>
-                            <p:childTnLst>
-                              <p:par>
-                                <p:cTn id="5" presetID="10" presetClass="entr" presetSubtype="0" fill="hold" nodeType="clickEffect">
-                                  <p:stCondLst>
-                                    <p:cond delay="0"/>
-                                  </p:stCondLst>
-                                  <p:childTnLst>
-                                    <p:set>
-                                      <p:cBhvr>
-                                        <p:cTn id="6" dur="1" fill="hold">
-                                          <p:stCondLst>
-                                            <p:cond delay="0"/>
-                                          </p:stCondLst>
-                                        </p:cTn>
-                                        <p:tgtEl>
-                                          <p:spTgt spid="9"/>
-                                        </p:tgtEl>
-                                        <p:attrNameLst>
-                                          <p:attrName>style.visibility</p:attrName>
-                                        </p:attrNameLst>
-                                      </p:cBhvr>
-                                      <p:to>
-                                        <p:strVal val="visible"/>
-                                      </p:to>
-                                    </p:set>
-                                    <p:animEffect transition="in" filter="fade">
-                                      <p:cBhvr>
-                                        <p:cTn id="7" dur="500"/>
-                                        <p:tgtEl>
-                                          <p:spTgt spid="9"/>
-                                        </p:tgtEl>
-                                      </p:cBhvr>
-                                    </p:animEffect>
-                                  </p:childTnLst>
-                                </p:cTn>
-                              </p:par>
-                            </p:childTnLst>
-                          </p:cTn>
-                        </p:par>
-                      </p:childTnLst>
-                    </p:cTn>
-                  </p:par>
-                  <p:par>
-                    <p:cTn id="8" fill="hold">
-                      <p:stCondLst>
-                        <p:cond delay="indefinite"/>
-                      </p:stCondLst>
-                      <p:childTnLst>
-                        <p:par>
-                          <p:cTn id="9" fill="hold">
-                            <p:stCondLst>
-                              <p:cond delay="0"/>
-                            </p:stCondLst>
-                            <p:childTnLst>
-                              <p:par>
-                                <p:cTn id="10" presetID="10" presetClass="entr" presetSubtype="0" fill="hold" nodeType="clickEffect">
-                                  <p:stCondLst>
-                                    <p:cond delay="0"/>
-                                  </p:stCondLst>
-                                  <p:childTnLst>
-                                    <p:set>
-                                      <p:cBhvr>
-                                        <p:cTn id="11" dur="1" fill="hold">
-                                          <p:stCondLst>
-                                            <p:cond delay="0"/>
-                                          </p:stCondLst>
-                                        </p:cTn>
-                                        <p:tgtEl>
-                                          <p:spTgt spid="10"/>
-                                        </p:tgtEl>
-                                        <p:attrNameLst>
-                                          <p:attrName>style.visibility</p:attrName>
-                                        </p:attrNameLst>
-                                      </p:cBhvr>
-                                      <p:to>
-                                        <p:strVal val="visible"/>
-                                      </p:to>
-                                    </p:set>
-                                    <p:animEffect transition="in" filter="fade">
-                                      <p:cBhvr>
-                                        <p:cTn id="12" dur="500"/>
-                                        <p:tgtEl>
-                                          <p:spTgt spid="10"/>
-                                        </p:tgtEl>
-                                      </p:cBhvr>
-                                    </p:animEffect>
-                                  </p:childTnLst>
-                                </p:cTn>
-                              </p:par>
-                            </p:childTnLst>
-                          </p:cTn>
-                        </p:par>
-                      </p:childTnLst>
-                    </p:cTn>
-                  </p:par>
-                </p:childTnLst>
-              </p:cTn>
-              <p:prevCondLst>
-                <p:cond evt="onPrev" delay="0">
-                  <p:tgtEl>
-                    <p:sldTgt/>
-                  </p:tgtEl>
-                </p:cond>
-              </p:prevCondLst>
-              <p:nextCondLst>
-                <p:cond evt="onNext" delay="0">
-                  <p:tgtEl>
-                    <p:sldTgt/>
-                  </p:tgtEl>
-                </p:cond>
-              </p:nextCondLst>
-            </p:seq>
-          </p:childTnLst>
-        </p:cTn>
-      </p:par>
-    </p:tnLst>
-  </p:timing>
-</p:sld>
-</file>
-
-<file path=ppt/slides/slide5.xml><?xml version="1.0" encoding="utf-8"?>
-<p:sld xmlns:a="http://schemas.openxmlformats.org/drawingml/2006/main" xmlns:r="http://schemas.openxmlformats.org/officeDocument/2006/relationships" xmlns:p="http://schemas.openxmlformats.org/presentationml/2006/main">
-  <p:cSld>
-    <p:spTree>
-      <p:nvGrpSpPr>
-        <p:cNvPr id="1" name=""/>
-        <p:cNvGrpSpPr/>
-        <p:nvPr/>
-      </p:nvGrpSpPr>
-      <p:grpSpPr>
-        <a:xfrm>
-          <a:off x="0" y="0"/>
-          <a:ext cx="0" cy="0"/>
-          <a:chOff x="0" y="0"/>
-          <a:chExt cx="0" cy="0"/>
-        </a:xfrm>
-      </p:grpSpPr>
-      <p:sp>
-        <p:nvSpPr>
-          <p:cNvPr id="2" name="タイトル 1">
-            <a:extLst>
-              <a:ext uri="{FF2B5EF4-FFF2-40B4-BE49-F238E27FC236}">
-                <a16:creationId xmlns:a16="http://schemas.microsoft.com/office/drawing/2014/main" id="{1D1D3645-48BA-41AD-8B0B-67C37EE6D8C4}"/>
-              </a:ext>
-            </a:extLst>
-          </p:cNvPr>
-          <p:cNvSpPr>
-            <a:spLocks noGrp="1"/>
-          </p:cNvSpPr>
-          <p:nvPr>
-            <p:ph type="title"/>
-          </p:nvPr>
-        </p:nvSpPr>
-        <p:spPr/>
-        <p:txBody>
-          <a:bodyPr anchor="b" anchorCtr="0">
-            <a:normAutofit/>
-          </a:bodyPr>
-          <a:lstStyle/>
-          <a:p>
-            <a:r>
-              <a:rPr kumimoji="1" lang="ja-JP" altLang="en-US" sz="6600" b="1" dirty="0"/>
-              <a:t>ユーザ登録画面</a:t>
-            </a:r>
-          </a:p>
-        </p:txBody>
-      </p:sp>
-      <p:pic>
-        <p:nvPicPr>
-          <p:cNvPr id="7" name="コンテンツ プレースホルダー 6">
-            <a:extLst>
-              <a:ext uri="{FF2B5EF4-FFF2-40B4-BE49-F238E27FC236}">
-                <a16:creationId xmlns:a16="http://schemas.microsoft.com/office/drawing/2014/main" id="{A9F75D45-20D8-4142-A24F-FD1D36104D90}"/>
-              </a:ext>
-            </a:extLst>
-          </p:cNvPr>
-          <p:cNvPicPr>
-            <a:picLocks noGrp="1" noChangeAspect="1"/>
-          </p:cNvPicPr>
-          <p:nvPr>
-            <p:ph idx="1"/>
-          </p:nvPr>
-        </p:nvPicPr>
-        <p:blipFill rotWithShape="1">
-          <a:blip r:embed="rId2"/>
-          <a:srcRect r="69567" b="36561"/>
-          <a:stretch/>
-        </p:blipFill>
-        <p:spPr>
-          <a:xfrm>
-            <a:off x="3874655" y="1825625"/>
-            <a:ext cx="4442689" cy="4989899"/>
-          </a:xfrm>
-          <a:prstGeom prst="rect">
-            <a:avLst/>
-          </a:prstGeom>
-          <a:ln>
-            <a:solidFill>
-              <a:schemeClr val="tx1"/>
-            </a:solidFill>
-          </a:ln>
-        </p:spPr>
-      </p:pic>
-      <p:pic>
-        <p:nvPicPr>
-          <p:cNvPr id="10" name="図 9">
-            <a:extLst>
-              <a:ext uri="{FF2B5EF4-FFF2-40B4-BE49-F238E27FC236}">
-                <a16:creationId xmlns:a16="http://schemas.microsoft.com/office/drawing/2014/main" id="{34B00642-AA41-4F5C-AEBD-3D886F4CFF24}"/>
-              </a:ext>
-            </a:extLst>
-          </p:cNvPr>
-          <p:cNvPicPr>
-            <a:picLocks noChangeAspect="1"/>
-          </p:cNvPicPr>
-          <p:nvPr/>
-        </p:nvPicPr>
-        <p:blipFill rotWithShape="1">
-          <a:blip r:embed="rId3"/>
-          <a:srcRect l="1" r="69514" b="36451"/>
-          <a:stretch/>
-        </p:blipFill>
-        <p:spPr>
-          <a:xfrm>
-            <a:off x="3874655" y="1825625"/>
-            <a:ext cx="4442689" cy="4989899"/>
-          </a:xfrm>
-          <a:prstGeom prst="rect">
-            <a:avLst/>
-          </a:prstGeom>
-        </p:spPr>
-      </p:pic>
-    </p:spTree>
-    <p:extLst>
-      <p:ext uri="{BB962C8B-B14F-4D97-AF65-F5344CB8AC3E}">
-        <p14:creationId xmlns:p14="http://schemas.microsoft.com/office/powerpoint/2010/main" val="3684715941"/>
       </p:ext>
     </p:extLst>
   </p:cSld>
@@ -4382,6 +4667,104 @@
 </p:sld>
 </file>
 
+<file path=ppt/slides/slide5.xml><?xml version="1.0" encoding="utf-8"?>
+<p:sld xmlns:a="http://schemas.openxmlformats.org/drawingml/2006/main" xmlns:r="http://schemas.openxmlformats.org/officeDocument/2006/relationships" xmlns:p="http://schemas.openxmlformats.org/presentationml/2006/main">
+  <p:cSld>
+    <p:spTree>
+      <p:nvGrpSpPr>
+        <p:cNvPr id="1" name=""/>
+        <p:cNvGrpSpPr/>
+        <p:nvPr/>
+      </p:nvGrpSpPr>
+      <p:grpSpPr>
+        <a:xfrm>
+          <a:off x="0" y="0"/>
+          <a:ext cx="0" cy="0"/>
+          <a:chOff x="0" y="0"/>
+          <a:chExt cx="0" cy="0"/>
+        </a:xfrm>
+      </p:grpSpPr>
+      <p:sp>
+        <p:nvSpPr>
+          <p:cNvPr id="2" name="タイトル 1">
+            <a:extLst>
+              <a:ext uri="{FF2B5EF4-FFF2-40B4-BE49-F238E27FC236}">
+                <a16:creationId xmlns:a16="http://schemas.microsoft.com/office/drawing/2014/main" id="{1D1D3645-48BA-41AD-8B0B-67C37EE6D8C4}"/>
+              </a:ext>
+            </a:extLst>
+          </p:cNvPr>
+          <p:cNvSpPr>
+            <a:spLocks noGrp="1"/>
+          </p:cNvSpPr>
+          <p:nvPr>
+            <p:ph type="title"/>
+          </p:nvPr>
+        </p:nvSpPr>
+        <p:spPr/>
+        <p:txBody>
+          <a:bodyPr anchor="b" anchorCtr="0">
+            <a:normAutofit/>
+          </a:bodyPr>
+          <a:lstStyle/>
+          <a:p>
+            <a:r>
+              <a:rPr lang="ja-JP" altLang="en-US" sz="6600" b="1" dirty="0"/>
+              <a:t>メニュー</a:t>
+            </a:r>
+            <a:r>
+              <a:rPr kumimoji="1" lang="ja-JP" altLang="en-US" sz="6600" b="1" dirty="0"/>
+              <a:t>画面</a:t>
+            </a:r>
+          </a:p>
+        </p:txBody>
+      </p:sp>
+      <p:pic>
+        <p:nvPicPr>
+          <p:cNvPr id="5" name="図 4">
+            <a:extLst>
+              <a:ext uri="{FF2B5EF4-FFF2-40B4-BE49-F238E27FC236}">
+                <a16:creationId xmlns:a16="http://schemas.microsoft.com/office/drawing/2014/main" id="{180FEB27-BC2C-40F9-AB3D-E069F3903B53}"/>
+              </a:ext>
+            </a:extLst>
+          </p:cNvPr>
+          <p:cNvPicPr>
+            <a:picLocks noChangeAspect="1"/>
+          </p:cNvPicPr>
+          <p:nvPr/>
+        </p:nvPicPr>
+        <p:blipFill rotWithShape="1">
+          <a:blip r:embed="rId2"/>
+          <a:srcRect l="1" t="2" r="61007" b="55692"/>
+          <a:stretch/>
+        </p:blipFill>
+        <p:spPr>
+          <a:xfrm>
+            <a:off x="2020855" y="1825623"/>
+            <a:ext cx="8150289" cy="4989898"/>
+          </a:xfrm>
+          <a:prstGeom prst="rect">
+            <a:avLst/>
+          </a:prstGeom>
+          <a:ln>
+            <a:solidFill>
+              <a:schemeClr val="tx1"/>
+            </a:solidFill>
+          </a:ln>
+        </p:spPr>
+      </p:pic>
+    </p:spTree>
+    <p:extLst>
+      <p:ext uri="{BB962C8B-B14F-4D97-AF65-F5344CB8AC3E}">
+        <p14:creationId xmlns:p14="http://schemas.microsoft.com/office/powerpoint/2010/main" val="2954928784"/>
+      </p:ext>
+    </p:extLst>
+  </p:cSld>
+  <p:clrMapOvr>
+    <a:masterClrMapping/>
+  </p:clrMapOvr>
+</p:sld>
+</file>
+
 <file path=ppt/slides/slide6.xml><?xml version="1.0" encoding="utf-8"?>
 <p:sld xmlns:a="http://schemas.openxmlformats.org/drawingml/2006/main" xmlns:r="http://schemas.openxmlformats.org/officeDocument/2006/relationships" xmlns:p="http://schemas.openxmlformats.org/presentationml/2006/main">
   <p:cSld>
@@ -4399,71 +4782,78 @@
           <a:chExt cx="0" cy="0"/>
         </a:xfrm>
       </p:grpSpPr>
-      <p:sp>
-        <p:nvSpPr>
-          <p:cNvPr id="2" name="タイトル 1">
-            <a:extLst>
-              <a:ext uri="{FF2B5EF4-FFF2-40B4-BE49-F238E27FC236}">
-                <a16:creationId xmlns:a16="http://schemas.microsoft.com/office/drawing/2014/main" id="{1D1D3645-48BA-41AD-8B0B-67C37EE6D8C4}"/>
-              </a:ext>
-            </a:extLst>
-          </p:cNvPr>
-          <p:cNvSpPr>
-            <a:spLocks noGrp="1"/>
-          </p:cNvSpPr>
-          <p:nvPr>
-            <p:ph type="title"/>
-          </p:nvPr>
-        </p:nvSpPr>
-        <p:spPr/>
-        <p:txBody>
-          <a:bodyPr anchor="b" anchorCtr="0">
-            <a:normAutofit/>
-          </a:bodyPr>
-          <a:lstStyle/>
-          <a:p>
-            <a:r>
-              <a:rPr kumimoji="1" lang="ja-JP" altLang="en-US" sz="6600" b="1" dirty="0"/>
-              <a:t>ユーザ登録完了画面</a:t>
-            </a:r>
-          </a:p>
-        </p:txBody>
-      </p:sp>
       <p:pic>
         <p:nvPicPr>
-          <p:cNvPr id="6" name="コンテンツ プレースホルダー 5">
-            <a:extLst>
-              <a:ext uri="{FF2B5EF4-FFF2-40B4-BE49-F238E27FC236}">
-                <a16:creationId xmlns:a16="http://schemas.microsoft.com/office/drawing/2014/main" id="{A3D86E31-E407-4C22-AADE-54022D869404}"/>
+          <p:cNvPr id="4" name="図 3">
+            <a:extLst>
+              <a:ext uri="{FF2B5EF4-FFF2-40B4-BE49-F238E27FC236}">
+                <a16:creationId xmlns:a16="http://schemas.microsoft.com/office/drawing/2014/main" id="{DC22D4B0-75CC-4154-8EE9-12B82BBB3F85}"/>
               </a:ext>
             </a:extLst>
           </p:cNvPr>
           <p:cNvPicPr>
-            <a:picLocks noGrp="1" noChangeAspect="1"/>
+            <a:picLocks noChangeAspect="1"/>
           </p:cNvPicPr>
-          <p:nvPr>
-            <p:ph idx="1"/>
-          </p:nvPr>
+          <p:nvPr/>
         </p:nvPicPr>
         <p:blipFill rotWithShape="1">
           <a:blip r:embed="rId2"/>
-          <a:srcRect r="83910" b="66946"/>
+          <a:srcRect t="-1" r="78734" b="59088"/>
           <a:stretch/>
         </p:blipFill>
         <p:spPr>
           <a:xfrm>
-            <a:off x="3841923" y="1690688"/>
-            <a:ext cx="4508153" cy="4989898"/>
+            <a:off x="3790443" y="1825625"/>
+            <a:ext cx="4611111" cy="4989897"/>
           </a:xfrm>
           <a:prstGeom prst="rect">
             <a:avLst/>
           </a:prstGeom>
+          <a:ln>
+            <a:solidFill>
+              <a:schemeClr val="tx1"/>
+            </a:solidFill>
+          </a:ln>
         </p:spPr>
       </p:pic>
+      <p:sp>
+        <p:nvSpPr>
+          <p:cNvPr id="2" name="タイトル 1">
+            <a:extLst>
+              <a:ext uri="{FF2B5EF4-FFF2-40B4-BE49-F238E27FC236}">
+                <a16:creationId xmlns:a16="http://schemas.microsoft.com/office/drawing/2014/main" id="{1D1D3645-48BA-41AD-8B0B-67C37EE6D8C4}"/>
+              </a:ext>
+            </a:extLst>
+          </p:cNvPr>
+          <p:cNvSpPr>
+            <a:spLocks noGrp="1"/>
+          </p:cNvSpPr>
+          <p:nvPr>
+            <p:ph type="title"/>
+          </p:nvPr>
+        </p:nvSpPr>
+        <p:spPr/>
+        <p:txBody>
+          <a:bodyPr anchor="b" anchorCtr="0">
+            <a:normAutofit/>
+          </a:bodyPr>
+          <a:lstStyle/>
+          <a:p>
+            <a:r>
+              <a:rPr lang="ja-JP" altLang="en-US" sz="6600" b="1" dirty="0"/>
+              <a:t>ユーザ</a:t>
+            </a:r>
+            <a:r>
+              <a:rPr kumimoji="1" lang="ja-JP" altLang="en-US" sz="6600" b="1" dirty="0"/>
+              <a:t>登録画面</a:t>
+            </a:r>
+          </a:p>
+        </p:txBody>
+      </p:sp>
     </p:spTree>
     <p:extLst>
       <p:ext uri="{BB962C8B-B14F-4D97-AF65-F5344CB8AC3E}">
-        <p14:creationId xmlns:p14="http://schemas.microsoft.com/office/powerpoint/2010/main" val="3836556437"/>
+        <p14:creationId xmlns:p14="http://schemas.microsoft.com/office/powerpoint/2010/main" val="3684715941"/>
       </p:ext>
     </p:extLst>
   </p:cSld>
@@ -4514,43 +4904,88 @@
           <a:lstStyle/>
           <a:p>
             <a:r>
+              <a:rPr lang="ja-JP" altLang="en-US" sz="6600" b="1" dirty="0"/>
+              <a:t>ユーザ</a:t>
+            </a:r>
+            <a:r>
               <a:rPr kumimoji="1" lang="ja-JP" altLang="en-US" sz="6600" b="1" dirty="0"/>
-              <a:t>画面</a:t>
-            </a:r>
-          </a:p>
-        </p:txBody>
-      </p:sp>
-      <p:sp>
-        <p:nvSpPr>
-          <p:cNvPr id="4" name="コンテンツ プレースホルダー 3">
-            <a:extLst>
-              <a:ext uri="{FF2B5EF4-FFF2-40B4-BE49-F238E27FC236}">
-                <a16:creationId xmlns:a16="http://schemas.microsoft.com/office/drawing/2014/main" id="{CAA4B954-FAE1-48DF-962E-10D78231B430}"/>
-              </a:ext>
-            </a:extLst>
-          </p:cNvPr>
-          <p:cNvSpPr>
-            <a:spLocks noGrp="1"/>
-          </p:cNvSpPr>
+              <a:t>登録完了画面</a:t>
+            </a:r>
+          </a:p>
+        </p:txBody>
+      </p:sp>
+      <p:pic>
+        <p:nvPicPr>
+          <p:cNvPr id="6" name="コンテンツ プレースホルダー 5">
+            <a:extLst>
+              <a:ext uri="{FF2B5EF4-FFF2-40B4-BE49-F238E27FC236}">
+                <a16:creationId xmlns:a16="http://schemas.microsoft.com/office/drawing/2014/main" id="{A3D86E31-E407-4C22-AADE-54022D869404}"/>
+              </a:ext>
+            </a:extLst>
+          </p:cNvPr>
+          <p:cNvPicPr>
+            <a:picLocks noGrp="1" noChangeAspect="1"/>
+          </p:cNvPicPr>
           <p:nvPr>
             <p:ph idx="1"/>
           </p:nvPr>
-        </p:nvSpPr>
-        <p:spPr/>
-        <p:txBody>
-          <a:bodyPr/>
-          <a:lstStyle/>
-          <a:p>
-            <a:endParaRPr lang="ja-JP" altLang="en-US" dirty="0"/>
-          </a:p>
-        </p:txBody>
-      </p:sp>
+        </p:nvPicPr>
+        <p:blipFill rotWithShape="1">
+          <a:blip r:embed="rId2"/>
+          <a:srcRect r="83910" b="66946"/>
+          <a:stretch/>
+        </p:blipFill>
+        <p:spPr>
+          <a:xfrm>
+            <a:off x="3841923" y="1690688"/>
+            <a:ext cx="4508153" cy="4989898"/>
+          </a:xfrm>
+          <a:prstGeom prst="rect">
+            <a:avLst/>
+          </a:prstGeom>
+          <a:ln>
+            <a:solidFill>
+              <a:schemeClr val="tx1"/>
+            </a:solidFill>
+          </a:ln>
+        </p:spPr>
+      </p:pic>
+    </p:spTree>
+    <p:extLst>
+      <p:ext uri="{BB962C8B-B14F-4D97-AF65-F5344CB8AC3E}">
+        <p14:creationId xmlns:p14="http://schemas.microsoft.com/office/powerpoint/2010/main" val="3836556437"/>
+      </p:ext>
+    </p:extLst>
+  </p:cSld>
+  <p:clrMapOvr>
+    <a:masterClrMapping/>
+  </p:clrMapOvr>
+</p:sld>
+</file>
+
+<file path=ppt/slides/slide8.xml><?xml version="1.0" encoding="utf-8"?>
+<p:sld xmlns:a="http://schemas.openxmlformats.org/drawingml/2006/main" xmlns:r="http://schemas.openxmlformats.org/officeDocument/2006/relationships" xmlns:p="http://schemas.openxmlformats.org/presentationml/2006/main">
+  <p:cSld>
+    <p:spTree>
+      <p:nvGrpSpPr>
+        <p:cNvPr id="1" name=""/>
+        <p:cNvGrpSpPr/>
+        <p:nvPr/>
+      </p:nvGrpSpPr>
+      <p:grpSpPr>
+        <a:xfrm>
+          <a:off x="0" y="0"/>
+          <a:ext cx="0" cy="0"/>
+          <a:chOff x="0" y="0"/>
+          <a:chExt cx="0" cy="0"/>
+        </a:xfrm>
+      </p:grpSpPr>
       <p:pic>
         <p:nvPicPr>
           <p:cNvPr id="5" name="図 4">
             <a:extLst>
               <a:ext uri="{FF2B5EF4-FFF2-40B4-BE49-F238E27FC236}">
-                <a16:creationId xmlns:a16="http://schemas.microsoft.com/office/drawing/2014/main" id="{2CDC4860-6AC1-4746-A78C-2F000CDF9EAF}"/>
+                <a16:creationId xmlns:a16="http://schemas.microsoft.com/office/drawing/2014/main" id="{B63BE3AC-2853-4333-A461-4D6356078CC1}"/>
               </a:ext>
             </a:extLst>
           </p:cNvPr>
@@ -4559,28 +4994,96 @@
           </p:cNvPicPr>
           <p:nvPr/>
         </p:nvPicPr>
-        <p:blipFill>
+        <p:blipFill rotWithShape="1">
           <a:blip r:embed="rId2"/>
-          <a:stretch>
-            <a:fillRect/>
-          </a:stretch>
+          <a:srcRect r="76252" b="55873"/>
+          <a:stretch/>
         </p:blipFill>
         <p:spPr>
           <a:xfrm>
-            <a:off x="0" y="144479"/>
-            <a:ext cx="12192000" cy="6569042"/>
+            <a:off x="3603892" y="1825625"/>
+            <a:ext cx="4984211" cy="4989897"/>
           </a:xfrm>
           <a:prstGeom prst="rect">
             <a:avLst/>
           </a:prstGeom>
+          <a:ln>
+            <a:solidFill>
+              <a:schemeClr val="tx1"/>
+            </a:solidFill>
+          </a:ln>
         </p:spPr>
       </p:pic>
+      <p:sp>
+        <p:nvSpPr>
+          <p:cNvPr id="2" name="タイトル 1">
+            <a:extLst>
+              <a:ext uri="{FF2B5EF4-FFF2-40B4-BE49-F238E27FC236}">
+                <a16:creationId xmlns:a16="http://schemas.microsoft.com/office/drawing/2014/main" id="{1D1D3645-48BA-41AD-8B0B-67C37EE6D8C4}"/>
+              </a:ext>
+            </a:extLst>
+          </p:cNvPr>
+          <p:cNvSpPr>
+            <a:spLocks noGrp="1"/>
+          </p:cNvSpPr>
+          <p:nvPr>
+            <p:ph type="title"/>
+          </p:nvPr>
+        </p:nvSpPr>
+        <p:spPr/>
+        <p:txBody>
+          <a:bodyPr anchor="b" anchorCtr="0">
+            <a:normAutofit/>
+          </a:bodyPr>
+          <a:lstStyle/>
+          <a:p>
+            <a:r>
+              <a:rPr lang="ja-JP" altLang="en-US" sz="6600" b="1" dirty="0"/>
+              <a:t>ユーザ名更新</a:t>
+            </a:r>
+            <a:r>
+              <a:rPr kumimoji="1" lang="ja-JP" altLang="en-US" sz="6600" b="1" dirty="0"/>
+              <a:t>画面</a:t>
+            </a:r>
+          </a:p>
+        </p:txBody>
+      </p:sp>
+    </p:spTree>
+    <p:extLst>
+      <p:ext uri="{BB962C8B-B14F-4D97-AF65-F5344CB8AC3E}">
+        <p14:creationId xmlns:p14="http://schemas.microsoft.com/office/powerpoint/2010/main" val="4131036425"/>
+      </p:ext>
+    </p:extLst>
+  </p:cSld>
+  <p:clrMapOvr>
+    <a:masterClrMapping/>
+  </p:clrMapOvr>
+</p:sld>
+</file>
+
+<file path=ppt/slides/slide9.xml><?xml version="1.0" encoding="utf-8"?>
+<p:sld xmlns:a="http://schemas.openxmlformats.org/drawingml/2006/main" xmlns:r="http://schemas.openxmlformats.org/officeDocument/2006/relationships" xmlns:p="http://schemas.openxmlformats.org/presentationml/2006/main">
+  <p:cSld>
+    <p:spTree>
+      <p:nvGrpSpPr>
+        <p:cNvPr id="1" name=""/>
+        <p:cNvGrpSpPr/>
+        <p:nvPr/>
+      </p:nvGrpSpPr>
+      <p:grpSpPr>
+        <a:xfrm>
+          <a:off x="0" y="0"/>
+          <a:ext cx="0" cy="0"/>
+          <a:chOff x="0" y="0"/>
+          <a:chExt cx="0" cy="0"/>
+        </a:xfrm>
+      </p:grpSpPr>
       <p:pic>
         <p:nvPicPr>
-          <p:cNvPr id="7" name="図 6">
-            <a:extLst>
-              <a:ext uri="{FF2B5EF4-FFF2-40B4-BE49-F238E27FC236}">
-                <a16:creationId xmlns:a16="http://schemas.microsoft.com/office/drawing/2014/main" id="{D4659D5F-7BB8-4EC9-8663-B28288D862CD}"/>
+          <p:cNvPr id="4" name="図 3">
+            <a:extLst>
+              <a:ext uri="{FF2B5EF4-FFF2-40B4-BE49-F238E27FC236}">
+                <a16:creationId xmlns:a16="http://schemas.microsoft.com/office/drawing/2014/main" id="{5C144372-01AA-4B60-890D-E879C86B63F5}"/>
               </a:ext>
             </a:extLst>
           </p:cNvPr>
@@ -4589,296 +5092,64 @@
           </p:cNvPicPr>
           <p:nvPr/>
         </p:nvPicPr>
-        <p:blipFill>
-          <a:blip r:embed="rId3"/>
-          <a:stretch>
-            <a:fillRect/>
-          </a:stretch>
+        <p:blipFill rotWithShape="1">
+          <a:blip r:embed="rId2"/>
+          <a:srcRect r="82688" b="70069"/>
+          <a:stretch/>
         </p:blipFill>
         <p:spPr>
           <a:xfrm>
-            <a:off x="152400" y="296879"/>
-            <a:ext cx="12192000" cy="6569042"/>
+            <a:off x="3417712" y="1825625"/>
+            <a:ext cx="5356569" cy="4989897"/>
           </a:xfrm>
           <a:prstGeom prst="rect">
             <a:avLst/>
           </a:prstGeom>
+          <a:ln>
+            <a:solidFill>
+              <a:schemeClr val="tx1"/>
+            </a:solidFill>
+          </a:ln>
         </p:spPr>
       </p:pic>
-      <p:pic>
-        <p:nvPicPr>
-          <p:cNvPr id="9" name="図 8">
-            <a:extLst>
-              <a:ext uri="{FF2B5EF4-FFF2-40B4-BE49-F238E27FC236}">
-                <a16:creationId xmlns:a16="http://schemas.microsoft.com/office/drawing/2014/main" id="{B56710AF-F043-4CD0-9A91-856FEDBD55D6}"/>
-              </a:ext>
-            </a:extLst>
-          </p:cNvPr>
-          <p:cNvPicPr>
-            <a:picLocks noChangeAspect="1"/>
-          </p:cNvPicPr>
-          <p:nvPr/>
-        </p:nvPicPr>
-        <p:blipFill>
-          <a:blip r:embed="rId4"/>
-          <a:stretch>
-            <a:fillRect/>
-          </a:stretch>
-        </p:blipFill>
-        <p:spPr>
-          <a:xfrm>
-            <a:off x="304800" y="449279"/>
-            <a:ext cx="12192000" cy="6569042"/>
-          </a:xfrm>
-          <a:prstGeom prst="rect">
-            <a:avLst/>
-          </a:prstGeom>
-        </p:spPr>
-      </p:pic>
-      <p:pic>
-        <p:nvPicPr>
-          <p:cNvPr id="10" name="図 9">
-            <a:extLst>
-              <a:ext uri="{FF2B5EF4-FFF2-40B4-BE49-F238E27FC236}">
-                <a16:creationId xmlns:a16="http://schemas.microsoft.com/office/drawing/2014/main" id="{1591BDF7-F4E8-4C95-BE10-D4F6A88F9A3F}"/>
-              </a:ext>
-            </a:extLst>
-          </p:cNvPr>
-          <p:cNvPicPr>
-            <a:picLocks noChangeAspect="1"/>
-          </p:cNvPicPr>
-          <p:nvPr/>
-        </p:nvPicPr>
-        <p:blipFill>
-          <a:blip r:embed="rId5"/>
-          <a:stretch>
-            <a:fillRect/>
-          </a:stretch>
-        </p:blipFill>
-        <p:spPr>
-          <a:xfrm>
-            <a:off x="457200" y="601679"/>
-            <a:ext cx="12192000" cy="6569042"/>
-          </a:xfrm>
-          <a:prstGeom prst="rect">
-            <a:avLst/>
-          </a:prstGeom>
-        </p:spPr>
-      </p:pic>
-      <p:pic>
-        <p:nvPicPr>
-          <p:cNvPr id="11" name="図 10">
-            <a:extLst>
-              <a:ext uri="{FF2B5EF4-FFF2-40B4-BE49-F238E27FC236}">
-                <a16:creationId xmlns:a16="http://schemas.microsoft.com/office/drawing/2014/main" id="{309C13F2-3236-400D-9635-0FFDA4D69FBA}"/>
-              </a:ext>
-            </a:extLst>
-          </p:cNvPr>
-          <p:cNvPicPr>
-            <a:picLocks noChangeAspect="1"/>
-          </p:cNvPicPr>
-          <p:nvPr/>
-        </p:nvPicPr>
-        <p:blipFill>
-          <a:blip r:embed="rId6"/>
-          <a:stretch>
-            <a:fillRect/>
-          </a:stretch>
-        </p:blipFill>
-        <p:spPr>
-          <a:xfrm>
-            <a:off x="609600" y="754079"/>
-            <a:ext cx="12192000" cy="6569042"/>
-          </a:xfrm>
-          <a:prstGeom prst="rect">
-            <a:avLst/>
-          </a:prstGeom>
-        </p:spPr>
-      </p:pic>
-      <p:pic>
-        <p:nvPicPr>
-          <p:cNvPr id="12" name="図 11">
-            <a:extLst>
-              <a:ext uri="{FF2B5EF4-FFF2-40B4-BE49-F238E27FC236}">
-                <a16:creationId xmlns:a16="http://schemas.microsoft.com/office/drawing/2014/main" id="{CE52CB55-3986-48A1-95BF-0EFAF5AB3504}"/>
-              </a:ext>
-            </a:extLst>
-          </p:cNvPr>
-          <p:cNvPicPr>
-            <a:picLocks noChangeAspect="1"/>
-          </p:cNvPicPr>
-          <p:nvPr/>
-        </p:nvPicPr>
-        <p:blipFill>
-          <a:blip r:embed="rId7"/>
-          <a:stretch>
-            <a:fillRect/>
-          </a:stretch>
-        </p:blipFill>
-        <p:spPr>
-          <a:xfrm>
-            <a:off x="762000" y="906479"/>
-            <a:ext cx="12192000" cy="6569042"/>
-          </a:xfrm>
-          <a:prstGeom prst="rect">
-            <a:avLst/>
-          </a:prstGeom>
-        </p:spPr>
-      </p:pic>
-      <p:pic>
-        <p:nvPicPr>
-          <p:cNvPr id="13" name="図 12">
-            <a:extLst>
-              <a:ext uri="{FF2B5EF4-FFF2-40B4-BE49-F238E27FC236}">
-                <a16:creationId xmlns:a16="http://schemas.microsoft.com/office/drawing/2014/main" id="{5EC678EF-192C-49CC-9B8F-C1C77F45EBF9}"/>
-              </a:ext>
-            </a:extLst>
-          </p:cNvPr>
-          <p:cNvPicPr>
-            <a:picLocks noChangeAspect="1"/>
-          </p:cNvPicPr>
-          <p:nvPr/>
-        </p:nvPicPr>
-        <p:blipFill>
-          <a:blip r:embed="rId8"/>
-          <a:stretch>
-            <a:fillRect/>
-          </a:stretch>
-        </p:blipFill>
-        <p:spPr>
-          <a:xfrm>
-            <a:off x="914400" y="1058879"/>
-            <a:ext cx="12192000" cy="6569042"/>
-          </a:xfrm>
-          <a:prstGeom prst="rect">
-            <a:avLst/>
-          </a:prstGeom>
-        </p:spPr>
-      </p:pic>
-      <p:pic>
-        <p:nvPicPr>
-          <p:cNvPr id="14" name="図 13">
-            <a:extLst>
-              <a:ext uri="{FF2B5EF4-FFF2-40B4-BE49-F238E27FC236}">
-                <a16:creationId xmlns:a16="http://schemas.microsoft.com/office/drawing/2014/main" id="{A7F1DE49-6D8D-4A6D-B654-FF1F0B87F86A}"/>
-              </a:ext>
-            </a:extLst>
-          </p:cNvPr>
-          <p:cNvPicPr>
-            <a:picLocks noChangeAspect="1"/>
-          </p:cNvPicPr>
-          <p:nvPr/>
-        </p:nvPicPr>
-        <p:blipFill>
-          <a:blip r:embed="rId9"/>
-          <a:stretch>
-            <a:fillRect/>
-          </a:stretch>
-        </p:blipFill>
-        <p:spPr>
-          <a:xfrm>
-            <a:off x="1066800" y="1211279"/>
-            <a:ext cx="12192000" cy="6569042"/>
-          </a:xfrm>
-          <a:prstGeom prst="rect">
-            <a:avLst/>
-          </a:prstGeom>
-        </p:spPr>
-      </p:pic>
-      <p:pic>
-        <p:nvPicPr>
-          <p:cNvPr id="15" name="図 14">
-            <a:extLst>
-              <a:ext uri="{FF2B5EF4-FFF2-40B4-BE49-F238E27FC236}">
-                <a16:creationId xmlns:a16="http://schemas.microsoft.com/office/drawing/2014/main" id="{FD1BA623-6F63-4783-A891-E678B8772C4E}"/>
-              </a:ext>
-            </a:extLst>
-          </p:cNvPr>
-          <p:cNvPicPr>
-            <a:picLocks noChangeAspect="1"/>
-          </p:cNvPicPr>
-          <p:nvPr/>
-        </p:nvPicPr>
-        <p:blipFill>
-          <a:blip r:embed="rId10"/>
-          <a:stretch>
-            <a:fillRect/>
-          </a:stretch>
-        </p:blipFill>
-        <p:spPr>
-          <a:xfrm>
-            <a:off x="1219200" y="1363679"/>
-            <a:ext cx="12192000" cy="6569042"/>
-          </a:xfrm>
-          <a:prstGeom prst="rect">
-            <a:avLst/>
-          </a:prstGeom>
-        </p:spPr>
-      </p:pic>
-      <p:pic>
-        <p:nvPicPr>
-          <p:cNvPr id="16" name="図 15">
-            <a:extLst>
-              <a:ext uri="{FF2B5EF4-FFF2-40B4-BE49-F238E27FC236}">
-                <a16:creationId xmlns:a16="http://schemas.microsoft.com/office/drawing/2014/main" id="{58160426-B762-4A68-BD27-19377F2BFCBA}"/>
-              </a:ext>
-            </a:extLst>
-          </p:cNvPr>
-          <p:cNvPicPr>
-            <a:picLocks noChangeAspect="1"/>
-          </p:cNvPicPr>
-          <p:nvPr/>
-        </p:nvPicPr>
-        <p:blipFill>
-          <a:blip r:embed="rId11"/>
-          <a:stretch>
-            <a:fillRect/>
-          </a:stretch>
-        </p:blipFill>
-        <p:spPr>
-          <a:xfrm>
-            <a:off x="1371600" y="1516079"/>
-            <a:ext cx="12192000" cy="6569042"/>
-          </a:xfrm>
-          <a:prstGeom prst="rect">
-            <a:avLst/>
-          </a:prstGeom>
-        </p:spPr>
-      </p:pic>
-      <p:pic>
-        <p:nvPicPr>
-          <p:cNvPr id="17" name="図 16">
-            <a:extLst>
-              <a:ext uri="{FF2B5EF4-FFF2-40B4-BE49-F238E27FC236}">
-                <a16:creationId xmlns:a16="http://schemas.microsoft.com/office/drawing/2014/main" id="{AAFB0857-BA58-4312-AE67-544B5301A7E4}"/>
-              </a:ext>
-            </a:extLst>
-          </p:cNvPr>
-          <p:cNvPicPr>
-            <a:picLocks noChangeAspect="1"/>
-          </p:cNvPicPr>
-          <p:nvPr/>
-        </p:nvPicPr>
-        <p:blipFill>
-          <a:blip r:embed="rId12"/>
-          <a:stretch>
-            <a:fillRect/>
-          </a:stretch>
-        </p:blipFill>
-        <p:spPr>
-          <a:xfrm>
-            <a:off x="1524000" y="1668479"/>
-            <a:ext cx="12192000" cy="6569042"/>
-          </a:xfrm>
-          <a:prstGeom prst="rect">
-            <a:avLst/>
-          </a:prstGeom>
-        </p:spPr>
-      </p:pic>
+      <p:sp>
+        <p:nvSpPr>
+          <p:cNvPr id="2" name="タイトル 1">
+            <a:extLst>
+              <a:ext uri="{FF2B5EF4-FFF2-40B4-BE49-F238E27FC236}">
+                <a16:creationId xmlns:a16="http://schemas.microsoft.com/office/drawing/2014/main" id="{1D1D3645-48BA-41AD-8B0B-67C37EE6D8C4}"/>
+              </a:ext>
+            </a:extLst>
+          </p:cNvPr>
+          <p:cNvSpPr>
+            <a:spLocks noGrp="1"/>
+          </p:cNvSpPr>
+          <p:nvPr>
+            <p:ph type="title"/>
+          </p:nvPr>
+        </p:nvSpPr>
+        <p:spPr/>
+        <p:txBody>
+          <a:bodyPr anchor="b" anchorCtr="0">
+            <a:noAutofit/>
+          </a:bodyPr>
+          <a:lstStyle/>
+          <a:p>
+            <a:r>
+              <a:rPr lang="ja-JP" altLang="en-US" sz="6600" b="1" dirty="0"/>
+              <a:t>ユーザ名更新完了</a:t>
+            </a:r>
+            <a:r>
+              <a:rPr kumimoji="1" lang="ja-JP" altLang="en-US" sz="6600" b="1" dirty="0"/>
+              <a:t>画面</a:t>
+            </a:r>
+          </a:p>
+        </p:txBody>
+      </p:sp>
     </p:spTree>
     <p:extLst>
       <p:ext uri="{BB962C8B-B14F-4D97-AF65-F5344CB8AC3E}">
-        <p14:creationId xmlns:p14="http://schemas.microsoft.com/office/powerpoint/2010/main" val="1906491368"/>
+        <p14:creationId xmlns:p14="http://schemas.microsoft.com/office/powerpoint/2010/main" val="1190132103"/>
       </p:ext>
     </p:extLst>
   </p:cSld>

--- a/株式会社ユウシン_竹田悠希_個人開発成果発表.pptx
+++ b/株式会社ユウシン_竹田悠希_個人開発成果発表.pptx
@@ -6,19 +6,20 @@
   </p:sldMasterIdLst>
   <p:sldIdLst>
     <p:sldId id="256" r:id="rId2"/>
-    <p:sldId id="262" r:id="rId3"/>
-    <p:sldId id="257" r:id="rId4"/>
-    <p:sldId id="263" r:id="rId5"/>
-    <p:sldId id="268" r:id="rId6"/>
-    <p:sldId id="264" r:id="rId7"/>
-    <p:sldId id="265" r:id="rId8"/>
-    <p:sldId id="269" r:id="rId9"/>
-    <p:sldId id="270" r:id="rId10"/>
-    <p:sldId id="271" r:id="rId11"/>
-    <p:sldId id="272" r:id="rId12"/>
-    <p:sldId id="274" r:id="rId13"/>
-    <p:sldId id="275" r:id="rId14"/>
-    <p:sldId id="266" r:id="rId15"/>
+    <p:sldId id="276" r:id="rId3"/>
+    <p:sldId id="262" r:id="rId4"/>
+    <p:sldId id="257" r:id="rId5"/>
+    <p:sldId id="263" r:id="rId6"/>
+    <p:sldId id="268" r:id="rId7"/>
+    <p:sldId id="264" r:id="rId8"/>
+    <p:sldId id="265" r:id="rId9"/>
+    <p:sldId id="269" r:id="rId10"/>
+    <p:sldId id="270" r:id="rId11"/>
+    <p:sldId id="271" r:id="rId12"/>
+    <p:sldId id="272" r:id="rId13"/>
+    <p:sldId id="274" r:id="rId14"/>
+    <p:sldId id="275" r:id="rId15"/>
+    <p:sldId id="266" r:id="rId16"/>
   </p:sldIdLst>
   <p:sldSz cx="12192000" cy="6858000"/>
   <p:notesSz cx="6858000" cy="9144000"/>
@@ -272,7 +273,7 @@
           <a:p>
             <a:fld id="{84C690E8-DEAB-46EE-9408-AA316A2A85FB}" type="datetimeFigureOut">
               <a:rPr kumimoji="1" lang="ja-JP" altLang="en-US" smtClean="0"/>
-              <a:t>2018/6/24</a:t>
+              <a:t>2018/6/25</a:t>
             </a:fld>
             <a:endParaRPr kumimoji="1" lang="ja-JP" altLang="en-US"/>
           </a:p>
@@ -502,7 +503,7 @@
           <a:p>
             <a:fld id="{84C690E8-DEAB-46EE-9408-AA316A2A85FB}" type="datetimeFigureOut">
               <a:rPr kumimoji="1" lang="ja-JP" altLang="en-US" smtClean="0"/>
-              <a:t>2018/6/24</a:t>
+              <a:t>2018/6/25</a:t>
             </a:fld>
             <a:endParaRPr kumimoji="1" lang="ja-JP" altLang="en-US"/>
           </a:p>
@@ -742,7 +743,7 @@
           <a:p>
             <a:fld id="{84C690E8-DEAB-46EE-9408-AA316A2A85FB}" type="datetimeFigureOut">
               <a:rPr kumimoji="1" lang="ja-JP" altLang="en-US" smtClean="0"/>
-              <a:t>2018/6/24</a:t>
+              <a:t>2018/6/25</a:t>
             </a:fld>
             <a:endParaRPr kumimoji="1" lang="ja-JP" altLang="en-US"/>
           </a:p>
@@ -972,7 +973,7 @@
           <a:p>
             <a:fld id="{84C690E8-DEAB-46EE-9408-AA316A2A85FB}" type="datetimeFigureOut">
               <a:rPr kumimoji="1" lang="ja-JP" altLang="en-US" smtClean="0"/>
-              <a:t>2018/6/24</a:t>
+              <a:t>2018/6/25</a:t>
             </a:fld>
             <a:endParaRPr kumimoji="1" lang="ja-JP" altLang="en-US"/>
           </a:p>
@@ -1247,7 +1248,7 @@
           <a:p>
             <a:fld id="{84C690E8-DEAB-46EE-9408-AA316A2A85FB}" type="datetimeFigureOut">
               <a:rPr kumimoji="1" lang="ja-JP" altLang="en-US" smtClean="0"/>
-              <a:t>2018/6/24</a:t>
+              <a:t>2018/6/25</a:t>
             </a:fld>
             <a:endParaRPr kumimoji="1" lang="ja-JP" altLang="en-US"/>
           </a:p>
@@ -1576,7 +1577,7 @@
           <a:p>
             <a:fld id="{84C690E8-DEAB-46EE-9408-AA316A2A85FB}" type="datetimeFigureOut">
               <a:rPr kumimoji="1" lang="ja-JP" altLang="en-US" smtClean="0"/>
-              <a:t>2018/6/24</a:t>
+              <a:t>2018/6/25</a:t>
             </a:fld>
             <a:endParaRPr kumimoji="1" lang="ja-JP" altLang="en-US"/>
           </a:p>
@@ -2052,7 +2053,7 @@
           <a:p>
             <a:fld id="{84C690E8-DEAB-46EE-9408-AA316A2A85FB}" type="datetimeFigureOut">
               <a:rPr kumimoji="1" lang="ja-JP" altLang="en-US" smtClean="0"/>
-              <a:t>2018/6/24</a:t>
+              <a:t>2018/6/25</a:t>
             </a:fld>
             <a:endParaRPr kumimoji="1" lang="ja-JP" altLang="en-US"/>
           </a:p>
@@ -2193,7 +2194,7 @@
           <a:p>
             <a:fld id="{84C690E8-DEAB-46EE-9408-AA316A2A85FB}" type="datetimeFigureOut">
               <a:rPr kumimoji="1" lang="ja-JP" altLang="en-US" smtClean="0"/>
-              <a:t>2018/6/24</a:t>
+              <a:t>2018/6/25</a:t>
             </a:fld>
             <a:endParaRPr kumimoji="1" lang="ja-JP" altLang="en-US"/>
           </a:p>
@@ -2306,7 +2307,7 @@
           <a:p>
             <a:fld id="{84C690E8-DEAB-46EE-9408-AA316A2A85FB}" type="datetimeFigureOut">
               <a:rPr kumimoji="1" lang="ja-JP" altLang="en-US" smtClean="0"/>
-              <a:t>2018/6/24</a:t>
+              <a:t>2018/6/25</a:t>
             </a:fld>
             <a:endParaRPr kumimoji="1" lang="ja-JP" altLang="en-US"/>
           </a:p>
@@ -2649,7 +2650,7 @@
           <a:p>
             <a:fld id="{84C690E8-DEAB-46EE-9408-AA316A2A85FB}" type="datetimeFigureOut">
               <a:rPr kumimoji="1" lang="ja-JP" altLang="en-US" smtClean="0"/>
-              <a:t>2018/6/24</a:t>
+              <a:t>2018/6/25</a:t>
             </a:fld>
             <a:endParaRPr kumimoji="1" lang="ja-JP" altLang="en-US"/>
           </a:p>
@@ -2937,7 +2938,7 @@
           <a:p>
             <a:fld id="{84C690E8-DEAB-46EE-9408-AA316A2A85FB}" type="datetimeFigureOut">
               <a:rPr kumimoji="1" lang="ja-JP" altLang="en-US" smtClean="0"/>
-              <a:t>2018/6/24</a:t>
+              <a:t>2018/6/25</a:t>
             </a:fld>
             <a:endParaRPr kumimoji="1" lang="ja-JP" altLang="en-US"/>
           </a:p>
@@ -3210,7 +3211,7 @@
           <a:p>
             <a:fld id="{84C690E8-DEAB-46EE-9408-AA316A2A85FB}" type="datetimeFigureOut">
               <a:rPr kumimoji="1" lang="ja-JP" altLang="en-US" smtClean="0"/>
-              <a:t>2018/6/24</a:t>
+              <a:t>2018/6/25</a:t>
             </a:fld>
             <a:endParaRPr kumimoji="1" lang="ja-JP" altLang="en-US"/>
           </a:p>
@@ -3735,6 +3736,104 @@
       </p:grpSpPr>
       <p:pic>
         <p:nvPicPr>
+          <p:cNvPr id="4" name="図 3">
+            <a:extLst>
+              <a:ext uri="{FF2B5EF4-FFF2-40B4-BE49-F238E27FC236}">
+                <a16:creationId xmlns:a16="http://schemas.microsoft.com/office/drawing/2014/main" id="{5C144372-01AA-4B60-890D-E879C86B63F5}"/>
+              </a:ext>
+            </a:extLst>
+          </p:cNvPr>
+          <p:cNvPicPr>
+            <a:picLocks noChangeAspect="1"/>
+          </p:cNvPicPr>
+          <p:nvPr/>
+        </p:nvPicPr>
+        <p:blipFill rotWithShape="1">
+          <a:blip r:embed="rId2"/>
+          <a:srcRect r="82688" b="70069"/>
+          <a:stretch/>
+        </p:blipFill>
+        <p:spPr>
+          <a:xfrm>
+            <a:off x="3417712" y="1825625"/>
+            <a:ext cx="5356569" cy="4989897"/>
+          </a:xfrm>
+          <a:prstGeom prst="rect">
+            <a:avLst/>
+          </a:prstGeom>
+          <a:ln>
+            <a:solidFill>
+              <a:schemeClr val="tx1"/>
+            </a:solidFill>
+          </a:ln>
+        </p:spPr>
+      </p:pic>
+      <p:sp>
+        <p:nvSpPr>
+          <p:cNvPr id="2" name="タイトル 1">
+            <a:extLst>
+              <a:ext uri="{FF2B5EF4-FFF2-40B4-BE49-F238E27FC236}">
+                <a16:creationId xmlns:a16="http://schemas.microsoft.com/office/drawing/2014/main" id="{1D1D3645-48BA-41AD-8B0B-67C37EE6D8C4}"/>
+              </a:ext>
+            </a:extLst>
+          </p:cNvPr>
+          <p:cNvSpPr>
+            <a:spLocks noGrp="1"/>
+          </p:cNvSpPr>
+          <p:nvPr>
+            <p:ph type="title"/>
+          </p:nvPr>
+        </p:nvSpPr>
+        <p:spPr/>
+        <p:txBody>
+          <a:bodyPr anchor="b" anchorCtr="0">
+            <a:noAutofit/>
+          </a:bodyPr>
+          <a:lstStyle/>
+          <a:p>
+            <a:r>
+              <a:rPr lang="ja-JP" altLang="en-US" sz="6600" b="1" dirty="0"/>
+              <a:t>ユーザ名更新完了</a:t>
+            </a:r>
+            <a:r>
+              <a:rPr kumimoji="1" lang="ja-JP" altLang="en-US" sz="6600" b="1" dirty="0"/>
+              <a:t>画面</a:t>
+            </a:r>
+          </a:p>
+        </p:txBody>
+      </p:sp>
+    </p:spTree>
+    <p:extLst>
+      <p:ext uri="{BB962C8B-B14F-4D97-AF65-F5344CB8AC3E}">
+        <p14:creationId xmlns:p14="http://schemas.microsoft.com/office/powerpoint/2010/main" val="1190132103"/>
+      </p:ext>
+    </p:extLst>
+  </p:cSld>
+  <p:clrMapOvr>
+    <a:masterClrMapping/>
+  </p:clrMapOvr>
+</p:sld>
+</file>
+
+<file path=ppt/slides/slide11.xml><?xml version="1.0" encoding="utf-8"?>
+<p:sld xmlns:a="http://schemas.openxmlformats.org/drawingml/2006/main" xmlns:r="http://schemas.openxmlformats.org/officeDocument/2006/relationships" xmlns:p="http://schemas.openxmlformats.org/presentationml/2006/main">
+  <p:cSld>
+    <p:spTree>
+      <p:nvGrpSpPr>
+        <p:cNvPr id="1" name=""/>
+        <p:cNvGrpSpPr/>
+        <p:nvPr/>
+      </p:nvGrpSpPr>
+      <p:grpSpPr>
+        <a:xfrm>
+          <a:off x="0" y="0"/>
+          <a:ext cx="0" cy="0"/>
+          <a:chOff x="0" y="0"/>
+          <a:chExt cx="0" cy="0"/>
+        </a:xfrm>
+      </p:grpSpPr>
+      <p:pic>
+        <p:nvPicPr>
           <p:cNvPr id="6" name="図 5">
             <a:extLst>
               <a:ext uri="{FF2B5EF4-FFF2-40B4-BE49-F238E27FC236}">
@@ -3814,7 +3913,7 @@
 </p:sld>
 </file>
 
-<file path=ppt/slides/slide11.xml><?xml version="1.0" encoding="utf-8"?>
+<file path=ppt/slides/slide12.xml><?xml version="1.0" encoding="utf-8"?>
 <p:sld xmlns:a="http://schemas.openxmlformats.org/drawingml/2006/main" xmlns:r="http://schemas.openxmlformats.org/officeDocument/2006/relationships" xmlns:p="http://schemas.openxmlformats.org/presentationml/2006/main">
   <p:cSld>
     <p:spTree>
@@ -3912,7 +4011,7 @@
 </p:sld>
 </file>
 
-<file path=ppt/slides/slide12.xml><?xml version="1.0" encoding="utf-8"?>
+<file path=ppt/slides/slide13.xml><?xml version="1.0" encoding="utf-8"?>
 <p:sld xmlns:a="http://schemas.openxmlformats.org/drawingml/2006/main" xmlns:r="http://schemas.openxmlformats.org/officeDocument/2006/relationships" xmlns:p="http://schemas.openxmlformats.org/presentationml/2006/main">
   <p:cSld>
     <p:spTree>
@@ -4006,7 +4105,7 @@
 </p:sld>
 </file>
 
-<file path=ppt/slides/slide13.xml><?xml version="1.0" encoding="utf-8"?>
+<file path=ppt/slides/slide14.xml><?xml version="1.0" encoding="utf-8"?>
 <p:sld xmlns:a="http://schemas.openxmlformats.org/drawingml/2006/main" xmlns:r="http://schemas.openxmlformats.org/officeDocument/2006/relationships" xmlns:p="http://schemas.openxmlformats.org/presentationml/2006/main">
   <p:cSld>
     <p:spTree>
@@ -4100,7 +4199,7 @@
 </p:sld>
 </file>
 
-<file path=ppt/slides/slide14.xml><?xml version="1.0" encoding="utf-8"?>
+<file path=ppt/slides/slide15.xml><?xml version="1.0" encoding="utf-8"?>
 <p:sld xmlns:a="http://schemas.openxmlformats.org/drawingml/2006/main" xmlns:r="http://schemas.openxmlformats.org/officeDocument/2006/relationships" xmlns:p="http://schemas.openxmlformats.org/presentationml/2006/main">
   <p:cSld>
     <p:spTree>
@@ -4220,6 +4319,119 @@
           <p:cNvPr id="2" name="タイトル 1">
             <a:extLst>
               <a:ext uri="{FF2B5EF4-FFF2-40B4-BE49-F238E27FC236}">
+                <a16:creationId xmlns:a16="http://schemas.microsoft.com/office/drawing/2014/main" id="{AD8375FF-058A-4624-AF7A-2F7873A5FC89}"/>
+              </a:ext>
+            </a:extLst>
+          </p:cNvPr>
+          <p:cNvSpPr>
+            <a:spLocks noGrp="1"/>
+          </p:cNvSpPr>
+          <p:nvPr>
+            <p:ph type="title"/>
+          </p:nvPr>
+        </p:nvSpPr>
+        <p:spPr/>
+        <p:txBody>
+          <a:bodyPr>
+            <a:normAutofit/>
+          </a:bodyPr>
+          <a:lstStyle/>
+          <a:p>
+            <a:r>
+              <a:rPr kumimoji="1" lang="ja-JP" altLang="en-US" sz="6600" b="1" dirty="0"/>
+              <a:t>目次</a:t>
+            </a:r>
+          </a:p>
+        </p:txBody>
+      </p:sp>
+      <p:sp>
+        <p:nvSpPr>
+          <p:cNvPr id="3" name="コンテンツ プレースホルダー 2">
+            <a:extLst>
+              <a:ext uri="{FF2B5EF4-FFF2-40B4-BE49-F238E27FC236}">
+                <a16:creationId xmlns:a16="http://schemas.microsoft.com/office/drawing/2014/main" id="{C30E5395-1FC4-4826-8A71-89A2BB98AF03}"/>
+              </a:ext>
+            </a:extLst>
+          </p:cNvPr>
+          <p:cNvSpPr>
+            <a:spLocks noGrp="1"/>
+          </p:cNvSpPr>
+          <p:nvPr>
+            <p:ph idx="1"/>
+          </p:nvPr>
+        </p:nvSpPr>
+        <p:spPr/>
+        <p:txBody>
+          <a:bodyPr>
+            <a:normAutofit/>
+          </a:bodyPr>
+          <a:lstStyle/>
+          <a:p>
+            <a:r>
+              <a:rPr kumimoji="1" lang="ja-JP" altLang="en-US" sz="4800" dirty="0"/>
+              <a:t>背景</a:t>
+            </a:r>
+            <a:endParaRPr kumimoji="1" lang="en-US" altLang="ja-JP" sz="4800" dirty="0"/>
+          </a:p>
+          <a:p>
+            <a:r>
+              <a:rPr lang="ja-JP" altLang="en-US" sz="4800" dirty="0"/>
+              <a:t>ログイン・</a:t>
+            </a:r>
+            <a:r>
+              <a:rPr lang="en-US" altLang="ja-JP" sz="4800" dirty="0"/>
+              <a:t>CRUD</a:t>
+            </a:r>
+            <a:r>
+              <a:rPr lang="ja-JP" altLang="en-US" sz="4800" dirty="0"/>
+              <a:t>処理</a:t>
+            </a:r>
+            <a:endParaRPr lang="en-US" altLang="ja-JP" sz="4800" dirty="0"/>
+          </a:p>
+          <a:p>
+            <a:r>
+              <a:rPr kumimoji="1" lang="ja-JP" altLang="en-US" sz="4800" dirty="0"/>
+              <a:t>ゲーム画面</a:t>
+            </a:r>
+            <a:endParaRPr kumimoji="1" lang="ja-JP" altLang="en-US" sz="3600" dirty="0"/>
+          </a:p>
+        </p:txBody>
+      </p:sp>
+    </p:spTree>
+    <p:extLst>
+      <p:ext uri="{BB962C8B-B14F-4D97-AF65-F5344CB8AC3E}">
+        <p14:creationId xmlns:p14="http://schemas.microsoft.com/office/powerpoint/2010/main" val="3181550975"/>
+      </p:ext>
+    </p:extLst>
+  </p:cSld>
+  <p:clrMapOvr>
+    <a:masterClrMapping/>
+  </p:clrMapOvr>
+</p:sld>
+</file>
+
+<file path=ppt/slides/slide3.xml><?xml version="1.0" encoding="utf-8"?>
+<p:sld xmlns:a="http://schemas.openxmlformats.org/drawingml/2006/main" xmlns:r="http://schemas.openxmlformats.org/officeDocument/2006/relationships" xmlns:p="http://schemas.openxmlformats.org/presentationml/2006/main">
+  <p:cSld>
+    <p:spTree>
+      <p:nvGrpSpPr>
+        <p:cNvPr id="1" name=""/>
+        <p:cNvGrpSpPr/>
+        <p:nvPr/>
+      </p:nvGrpSpPr>
+      <p:grpSpPr>
+        <a:xfrm>
+          <a:off x="0" y="0"/>
+          <a:ext cx="0" cy="0"/>
+          <a:chOff x="0" y="0"/>
+          <a:chExt cx="0" cy="0"/>
+        </a:xfrm>
+      </p:grpSpPr>
+      <p:sp>
+        <p:nvSpPr>
+          <p:cNvPr id="2" name="タイトル 1">
+            <a:extLst>
+              <a:ext uri="{FF2B5EF4-FFF2-40B4-BE49-F238E27FC236}">
                 <a16:creationId xmlns:a16="http://schemas.microsoft.com/office/drawing/2014/main" id="{1D1D3645-48BA-41AD-8B0B-67C37EE6D8C4}"/>
               </a:ext>
             </a:extLst>
@@ -4354,7 +4566,7 @@
 </p:sld>
 </file>
 
-<file path=ppt/slides/slide3.xml><?xml version="1.0" encoding="utf-8"?>
+<file path=ppt/slides/slide4.xml><?xml version="1.0" encoding="utf-8"?>
 <p:sld xmlns:a="http://schemas.openxmlformats.org/drawingml/2006/main" xmlns:r="http://schemas.openxmlformats.org/officeDocument/2006/relationships" xmlns:p="http://schemas.openxmlformats.org/presentationml/2006/main">
   <p:cSld>
     <p:spTree>
@@ -4450,7 +4662,7 @@
 </p:sld>
 </file>
 
-<file path=ppt/slides/slide4.xml><?xml version="1.0" encoding="utf-8"?>
+<file path=ppt/slides/slide5.xml><?xml version="1.0" encoding="utf-8"?>
 <p:sld xmlns:a="http://schemas.openxmlformats.org/drawingml/2006/main" xmlns:r="http://schemas.openxmlformats.org/officeDocument/2006/relationships" xmlns:p="http://schemas.openxmlformats.org/presentationml/2006/main">
   <p:cSld>
     <p:spTree>
@@ -4537,40 +4749,6 @@
           </a:ln>
         </p:spPr>
       </p:pic>
-      <p:pic>
-        <p:nvPicPr>
-          <p:cNvPr id="10" name="図 9">
-            <a:extLst>
-              <a:ext uri="{FF2B5EF4-FFF2-40B4-BE49-F238E27FC236}">
-                <a16:creationId xmlns:a16="http://schemas.microsoft.com/office/drawing/2014/main" id="{D5B61982-8B02-4AB3-BD09-BFE3B5013660}"/>
-              </a:ext>
-            </a:extLst>
-          </p:cNvPr>
-          <p:cNvPicPr>
-            <a:picLocks noChangeAspect="1"/>
-          </p:cNvPicPr>
-          <p:nvPr/>
-        </p:nvPicPr>
-        <p:blipFill rotWithShape="1">
-          <a:blip r:embed="rId3"/>
-          <a:srcRect r="75102" b="55961"/>
-          <a:stretch/>
-        </p:blipFill>
-        <p:spPr>
-          <a:xfrm>
-            <a:off x="3477824" y="1825623"/>
-            <a:ext cx="5236352" cy="4989898"/>
-          </a:xfrm>
-          <a:prstGeom prst="rect">
-            <a:avLst/>
-          </a:prstGeom>
-          <a:ln>
-            <a:solidFill>
-              <a:schemeClr val="tx1"/>
-            </a:solidFill>
-          </a:ln>
-        </p:spPr>
-      </p:pic>
     </p:spTree>
     <p:extLst>
       <p:ext uri="{BB962C8B-B14F-4D97-AF65-F5344CB8AC3E}">
@@ -4581,93 +4759,10 @@
   <p:clrMapOvr>
     <a:masterClrMapping/>
   </p:clrMapOvr>
-  <p:timing>
-    <p:tnLst>
-      <p:par>
-        <p:cTn id="1" dur="indefinite" restart="never" nodeType="tmRoot">
-          <p:childTnLst>
-            <p:seq concurrent="1" nextAc="seek">
-              <p:cTn id="2" dur="indefinite" nodeType="mainSeq">
-                <p:childTnLst>
-                  <p:par>
-                    <p:cTn id="3" fill="hold">
-                      <p:stCondLst>
-                        <p:cond delay="indefinite"/>
-                      </p:stCondLst>
-                      <p:childTnLst>
-                        <p:par>
-                          <p:cTn id="4" fill="hold">
-                            <p:stCondLst>
-                              <p:cond delay="0"/>
-                            </p:stCondLst>
-                            <p:childTnLst>
-                              <p:par>
-                                <p:cTn id="5" presetID="10" presetClass="entr" presetSubtype="0" fill="hold" nodeType="clickEffect">
-                                  <p:stCondLst>
-                                    <p:cond delay="0"/>
-                                  </p:stCondLst>
-                                  <p:childTnLst>
-                                    <p:set>
-                                      <p:cBhvr>
-                                        <p:cTn id="6" dur="1" fill="hold">
-                                          <p:stCondLst>
-                                            <p:cond delay="0"/>
-                                          </p:stCondLst>
-                                        </p:cTn>
-                                        <p:tgtEl>
-                                          <p:spTgt spid="10"/>
-                                        </p:tgtEl>
-                                        <p:attrNameLst>
-                                          <p:attrName>style.visibility</p:attrName>
-                                        </p:attrNameLst>
-                                      </p:cBhvr>
-                                      <p:to>
-                                        <p:strVal val="visible"/>
-                                      </p:to>
-                                    </p:set>
-                                    <p:animEffect transition="in" filter="fade">
-                                      <p:cBhvr>
-                                        <p:cTn id="7" dur="500"/>
-                                        <p:tgtEl>
-                                          <p:spTgt spid="10"/>
-                                        </p:tgtEl>
-                                      </p:cBhvr>
-                                    </p:animEffect>
-                                  </p:childTnLst>
-                                </p:cTn>
-                              </p:par>
-                            </p:childTnLst>
-                          </p:cTn>
-                        </p:par>
-                      </p:childTnLst>
-                    </p:cTn>
-                  </p:par>
-                </p:childTnLst>
-              </p:cTn>
-              <p:prevCondLst>
-                <p:cond evt="onPrev" delay="0">
-                  <p:tgtEl>
-                    <p:sldTgt/>
-                  </p:tgtEl>
-                </p:cond>
-              </p:prevCondLst>
-              <p:nextCondLst>
-                <p:cond evt="onNext" delay="0">
-                  <p:tgtEl>
-                    <p:sldTgt/>
-                  </p:tgtEl>
-                </p:cond>
-              </p:nextCondLst>
-            </p:seq>
-          </p:childTnLst>
-        </p:cTn>
-      </p:par>
-    </p:tnLst>
-  </p:timing>
 </p:sld>
 </file>
 
-<file path=ppt/slides/slide5.xml><?xml version="1.0" encoding="utf-8"?>
+<file path=ppt/slides/slide6.xml><?xml version="1.0" encoding="utf-8"?>
 <p:sld xmlns:a="http://schemas.openxmlformats.org/drawingml/2006/main" xmlns:r="http://schemas.openxmlformats.org/officeDocument/2006/relationships" xmlns:p="http://schemas.openxmlformats.org/presentationml/2006/main">
   <p:cSld>
     <p:spTree>
@@ -4765,7 +4860,7 @@
 </p:sld>
 </file>
 
-<file path=ppt/slides/slide6.xml><?xml version="1.0" encoding="utf-8"?>
+<file path=ppt/slides/slide7.xml><?xml version="1.0" encoding="utf-8"?>
 <p:sld xmlns:a="http://schemas.openxmlformats.org/drawingml/2006/main" xmlns:r="http://schemas.openxmlformats.org/officeDocument/2006/relationships" xmlns:p="http://schemas.openxmlformats.org/presentationml/2006/main">
   <p:cSld>
     <p:spTree>
@@ -4863,7 +4958,7 @@
 </p:sld>
 </file>
 
-<file path=ppt/slides/slide7.xml><?xml version="1.0" encoding="utf-8"?>
+<file path=ppt/slides/slide8.xml><?xml version="1.0" encoding="utf-8"?>
 <p:sld xmlns:a="http://schemas.openxmlformats.org/drawingml/2006/main" xmlns:r="http://schemas.openxmlformats.org/officeDocument/2006/relationships" xmlns:p="http://schemas.openxmlformats.org/presentationml/2006/main">
   <p:cSld>
     <p:spTree>
@@ -4963,7 +5058,7 @@
 </p:sld>
 </file>
 
-<file path=ppt/slides/slide8.xml><?xml version="1.0" encoding="utf-8"?>
+<file path=ppt/slides/slide9.xml><?xml version="1.0" encoding="utf-8"?>
 <p:sld xmlns:a="http://schemas.openxmlformats.org/drawingml/2006/main" xmlns:r="http://schemas.openxmlformats.org/officeDocument/2006/relationships" xmlns:p="http://schemas.openxmlformats.org/presentationml/2006/main">
   <p:cSld>
     <p:spTree>
@@ -5052,104 +5147,6 @@
     <p:extLst>
       <p:ext uri="{BB962C8B-B14F-4D97-AF65-F5344CB8AC3E}">
         <p14:creationId xmlns:p14="http://schemas.microsoft.com/office/powerpoint/2010/main" val="4131036425"/>
-      </p:ext>
-    </p:extLst>
-  </p:cSld>
-  <p:clrMapOvr>
-    <a:masterClrMapping/>
-  </p:clrMapOvr>
-</p:sld>
-</file>
-
-<file path=ppt/slides/slide9.xml><?xml version="1.0" encoding="utf-8"?>
-<p:sld xmlns:a="http://schemas.openxmlformats.org/drawingml/2006/main" xmlns:r="http://schemas.openxmlformats.org/officeDocument/2006/relationships" xmlns:p="http://schemas.openxmlformats.org/presentationml/2006/main">
-  <p:cSld>
-    <p:spTree>
-      <p:nvGrpSpPr>
-        <p:cNvPr id="1" name=""/>
-        <p:cNvGrpSpPr/>
-        <p:nvPr/>
-      </p:nvGrpSpPr>
-      <p:grpSpPr>
-        <a:xfrm>
-          <a:off x="0" y="0"/>
-          <a:ext cx="0" cy="0"/>
-          <a:chOff x="0" y="0"/>
-          <a:chExt cx="0" cy="0"/>
-        </a:xfrm>
-      </p:grpSpPr>
-      <p:pic>
-        <p:nvPicPr>
-          <p:cNvPr id="4" name="図 3">
-            <a:extLst>
-              <a:ext uri="{FF2B5EF4-FFF2-40B4-BE49-F238E27FC236}">
-                <a16:creationId xmlns:a16="http://schemas.microsoft.com/office/drawing/2014/main" id="{5C144372-01AA-4B60-890D-E879C86B63F5}"/>
-              </a:ext>
-            </a:extLst>
-          </p:cNvPr>
-          <p:cNvPicPr>
-            <a:picLocks noChangeAspect="1"/>
-          </p:cNvPicPr>
-          <p:nvPr/>
-        </p:nvPicPr>
-        <p:blipFill rotWithShape="1">
-          <a:blip r:embed="rId2"/>
-          <a:srcRect r="82688" b="70069"/>
-          <a:stretch/>
-        </p:blipFill>
-        <p:spPr>
-          <a:xfrm>
-            <a:off x="3417712" y="1825625"/>
-            <a:ext cx="5356569" cy="4989897"/>
-          </a:xfrm>
-          <a:prstGeom prst="rect">
-            <a:avLst/>
-          </a:prstGeom>
-          <a:ln>
-            <a:solidFill>
-              <a:schemeClr val="tx1"/>
-            </a:solidFill>
-          </a:ln>
-        </p:spPr>
-      </p:pic>
-      <p:sp>
-        <p:nvSpPr>
-          <p:cNvPr id="2" name="タイトル 1">
-            <a:extLst>
-              <a:ext uri="{FF2B5EF4-FFF2-40B4-BE49-F238E27FC236}">
-                <a16:creationId xmlns:a16="http://schemas.microsoft.com/office/drawing/2014/main" id="{1D1D3645-48BA-41AD-8B0B-67C37EE6D8C4}"/>
-              </a:ext>
-            </a:extLst>
-          </p:cNvPr>
-          <p:cNvSpPr>
-            <a:spLocks noGrp="1"/>
-          </p:cNvSpPr>
-          <p:nvPr>
-            <p:ph type="title"/>
-          </p:nvPr>
-        </p:nvSpPr>
-        <p:spPr/>
-        <p:txBody>
-          <a:bodyPr anchor="b" anchorCtr="0">
-            <a:noAutofit/>
-          </a:bodyPr>
-          <a:lstStyle/>
-          <a:p>
-            <a:r>
-              <a:rPr lang="ja-JP" altLang="en-US" sz="6600" b="1" dirty="0"/>
-              <a:t>ユーザ名更新完了</a:t>
-            </a:r>
-            <a:r>
-              <a:rPr kumimoji="1" lang="ja-JP" altLang="en-US" sz="6600" b="1" dirty="0"/>
-              <a:t>画面</a:t>
-            </a:r>
-          </a:p>
-        </p:txBody>
-      </p:sp>
-    </p:spTree>
-    <p:extLst>
-      <p:ext uri="{BB962C8B-B14F-4D97-AF65-F5344CB8AC3E}">
-        <p14:creationId xmlns:p14="http://schemas.microsoft.com/office/powerpoint/2010/main" val="1190132103"/>
       </p:ext>
     </p:extLst>
   </p:cSld>
